--- a/中越詩歌/奇異恩典_Ân Điển Lạ Lùng.pptx
+++ b/中越詩歌/奇異恩典_Ân Điển Lạ Lùng.pptx
@@ -18,6 +18,10 @@
     <p:sldId id="267" r:id="rId12"/>
     <p:sldId id="268" r:id="rId13"/>
     <p:sldId id="269" r:id="rId14"/>
+    <p:sldId id="270" r:id="rId15"/>
+    <p:sldId id="271" r:id="rId16"/>
+    <p:sldId id="272" r:id="rId17"/>
+    <p:sldId id="273" r:id="rId18"/>
   </p:sldIdLst>
   <p:sldSz cx="12192000" cy="6858000"/>
   <p:notesSz cx="6858000" cy="9144000"/>
@@ -116,6 +120,11 @@
       </a:defRPr>
     </a:lvl9pPr>
   </p:defaultTextStyle>
+  <p:extLst>
+    <p:ext uri="{EFAFB233-063F-42B5-8137-9DF3F51BA10A}">
+      <p15:sldGuideLst xmlns:p15="http://schemas.microsoft.com/office/powerpoint/2012/main"/>
+    </p:ext>
+  </p:extLst>
 </p:presentation>
 </file>
 
@@ -300,7 +309,7 @@
           <a:p>
             <a:fld id="{31C283EE-4726-4A0A-A830-2585CA37EEBF}" type="datetimeFigureOut">
               <a:rPr lang="vi-VN" smtClean="0"/>
-              <a:t>07/09/2022</a:t>
+              <a:t>04/04/2023</a:t>
             </a:fld>
             <a:endParaRPr lang="vi-VN"/>
           </a:p>
@@ -470,7 +479,7 @@
           <a:p>
             <a:fld id="{31C283EE-4726-4A0A-A830-2585CA37EEBF}" type="datetimeFigureOut">
               <a:rPr lang="vi-VN" smtClean="0"/>
-              <a:t>07/09/2022</a:t>
+              <a:t>04/04/2023</a:t>
             </a:fld>
             <a:endParaRPr lang="vi-VN"/>
           </a:p>
@@ -650,7 +659,7 @@
           <a:p>
             <a:fld id="{31C283EE-4726-4A0A-A830-2585CA37EEBF}" type="datetimeFigureOut">
               <a:rPr lang="vi-VN" smtClean="0"/>
-              <a:t>07/09/2022</a:t>
+              <a:t>04/04/2023</a:t>
             </a:fld>
             <a:endParaRPr lang="vi-VN"/>
           </a:p>
@@ -820,7 +829,7 @@
           <a:p>
             <a:fld id="{31C283EE-4726-4A0A-A830-2585CA37EEBF}" type="datetimeFigureOut">
               <a:rPr lang="vi-VN" smtClean="0"/>
-              <a:t>07/09/2022</a:t>
+              <a:t>04/04/2023</a:t>
             </a:fld>
             <a:endParaRPr lang="vi-VN"/>
           </a:p>
@@ -1066,7 +1075,7 @@
           <a:p>
             <a:fld id="{31C283EE-4726-4A0A-A830-2585CA37EEBF}" type="datetimeFigureOut">
               <a:rPr lang="vi-VN" smtClean="0"/>
-              <a:t>07/09/2022</a:t>
+              <a:t>04/04/2023</a:t>
             </a:fld>
             <a:endParaRPr lang="vi-VN"/>
           </a:p>
@@ -1354,7 +1363,7 @@
           <a:p>
             <a:fld id="{31C283EE-4726-4A0A-A830-2585CA37EEBF}" type="datetimeFigureOut">
               <a:rPr lang="vi-VN" smtClean="0"/>
-              <a:t>07/09/2022</a:t>
+              <a:t>04/04/2023</a:t>
             </a:fld>
             <a:endParaRPr lang="vi-VN"/>
           </a:p>
@@ -1776,7 +1785,7 @@
           <a:p>
             <a:fld id="{31C283EE-4726-4A0A-A830-2585CA37EEBF}" type="datetimeFigureOut">
               <a:rPr lang="vi-VN" smtClean="0"/>
-              <a:t>07/09/2022</a:t>
+              <a:t>04/04/2023</a:t>
             </a:fld>
             <a:endParaRPr lang="vi-VN"/>
           </a:p>
@@ -1894,7 +1903,7 @@
           <a:p>
             <a:fld id="{31C283EE-4726-4A0A-A830-2585CA37EEBF}" type="datetimeFigureOut">
               <a:rPr lang="vi-VN" smtClean="0"/>
-              <a:t>07/09/2022</a:t>
+              <a:t>04/04/2023</a:t>
             </a:fld>
             <a:endParaRPr lang="vi-VN"/>
           </a:p>
@@ -1989,7 +1998,7 @@
           <a:p>
             <a:fld id="{31C283EE-4726-4A0A-A830-2585CA37EEBF}" type="datetimeFigureOut">
               <a:rPr lang="vi-VN" smtClean="0"/>
-              <a:t>07/09/2022</a:t>
+              <a:t>04/04/2023</a:t>
             </a:fld>
             <a:endParaRPr lang="vi-VN"/>
           </a:p>
@@ -2266,7 +2275,7 @@
           <a:p>
             <a:fld id="{31C283EE-4726-4A0A-A830-2585CA37EEBF}" type="datetimeFigureOut">
               <a:rPr lang="vi-VN" smtClean="0"/>
-              <a:t>07/09/2022</a:t>
+              <a:t>04/04/2023</a:t>
             </a:fld>
             <a:endParaRPr lang="vi-VN"/>
           </a:p>
@@ -2523,7 +2532,7 @@
           <a:p>
             <a:fld id="{31C283EE-4726-4A0A-A830-2585CA37EEBF}" type="datetimeFigureOut">
               <a:rPr lang="vi-VN" smtClean="0"/>
-              <a:t>07/09/2022</a:t>
+              <a:t>04/04/2023</a:t>
             </a:fld>
             <a:endParaRPr lang="vi-VN"/>
           </a:p>
@@ -2741,7 +2750,7 @@
           <a:p>
             <a:fld id="{31C283EE-4726-4A0A-A830-2585CA37EEBF}" type="datetimeFigureOut">
               <a:rPr lang="vi-VN" smtClean="0"/>
-              <a:t>07/09/2022</a:t>
+              <a:t>04/04/2023</a:t>
             </a:fld>
             <a:endParaRPr lang="vi-VN"/>
           </a:p>
@@ -3172,20 +3181,6 @@
               </a:rPr>
               <a:t>異恩典</a:t>
             </a:r>
-            <a:endParaRPr lang="zh-TW" altLang="en-US" sz="7200" b="1" i="1" dirty="0">
-              <a:solidFill>
-                <a:srgbClr val="000066"/>
-              </a:solidFill>
-              <a:effectLst>
-                <a:outerShdw blurRad="38100" dist="38100" dir="2700000" algn="tl">
-                  <a:srgbClr val="000000">
-                    <a:alpha val="43137"/>
-                  </a:srgbClr>
-                </a:outerShdw>
-              </a:effectLst>
-              <a:latin typeface="微軟正黑體" pitchFamily="34" charset="-120"/>
-              <a:ea typeface="微軟正黑體" pitchFamily="34" charset="-120"/>
-            </a:endParaRPr>
           </a:p>
         </p:txBody>
       </p:sp>
@@ -3673,7 +3668,16 @@
                 </a:solidFill>
                 <a:effectLst/>
               </a:rPr>
-              <a:t>3 / 3 </a:t>
+              <a:t>3 / </a:t>
+            </a:r>
+            <a:r>
+              <a:rPr lang="en-US" sz="4267" b="1" dirty="0" smtClean="0">
+                <a:solidFill>
+                  <a:srgbClr val="000066"/>
+                </a:solidFill>
+                <a:effectLst/>
+              </a:rPr>
+              <a:t>4 </a:t>
             </a:r>
             <a:r>
               <a:rPr lang="en-US" sz="4267" b="1" dirty="0">
@@ -3984,33 +3988,13 @@
                 <a:solidFill>
                   <a:srgbClr val="000066"/>
                 </a:solidFill>
-                <a:effectLst/>
-              </a:rPr>
-              <a:t>( </a:t>
-            </a:r>
-            <a:r>
-              <a:rPr lang="en-US" sz="4267" b="1" dirty="0" smtClean="0">
-                <a:solidFill>
-                  <a:srgbClr val="000066"/>
-                </a:solidFill>
-                <a:effectLst/>
-              </a:rPr>
-              <a:t>3 / 3 </a:t>
-            </a:r>
-            <a:r>
-              <a:rPr lang="en-US" sz="4267" b="1" dirty="0">
-                <a:solidFill>
-                  <a:srgbClr val="000066"/>
-                </a:solidFill>
-                <a:effectLst/>
-              </a:rPr>
-              <a:t>)</a:t>
+              </a:rPr>
+              <a:t>( 3 / 4 )</a:t>
             </a:r>
             <a:endParaRPr lang="vi-VN" sz="4267" b="1" dirty="0">
               <a:solidFill>
                 <a:srgbClr val="000066"/>
               </a:solidFill>
-              <a:effectLst/>
             </a:endParaRPr>
           </a:p>
         </p:txBody>
@@ -4354,33 +4338,13 @@
                 <a:solidFill>
                   <a:srgbClr val="000066"/>
                 </a:solidFill>
-                <a:effectLst/>
-              </a:rPr>
-              <a:t>( </a:t>
-            </a:r>
-            <a:r>
-              <a:rPr lang="en-US" sz="4267" b="1" dirty="0" smtClean="0">
-                <a:solidFill>
-                  <a:srgbClr val="000066"/>
-                </a:solidFill>
-                <a:effectLst/>
-              </a:rPr>
-              <a:t>3 / 3 </a:t>
-            </a:r>
-            <a:r>
-              <a:rPr lang="en-US" sz="4267" b="1" dirty="0">
-                <a:solidFill>
-                  <a:srgbClr val="000066"/>
-                </a:solidFill>
-                <a:effectLst/>
-              </a:rPr>
-              <a:t>)</a:t>
+              </a:rPr>
+              <a:t>( 3 / 4 )</a:t>
             </a:r>
             <a:endParaRPr lang="vi-VN" sz="4267" b="1" dirty="0">
               <a:solidFill>
                 <a:srgbClr val="000066"/>
               </a:solidFill>
-              <a:effectLst/>
             </a:endParaRPr>
           </a:p>
         </p:txBody>
@@ -4676,7 +4640,362 @@
                 <a:solidFill>
                   <a:srgbClr val="000066"/>
                 </a:solidFill>
+              </a:rPr>
+              <a:t>( 3 / 4 )</a:t>
+            </a:r>
+            <a:endParaRPr lang="vi-VN" sz="4267" b="1" dirty="0">
+              <a:solidFill>
+                <a:srgbClr val="000066"/>
+              </a:solidFill>
+            </a:endParaRPr>
+          </a:p>
+        </p:txBody>
+      </p:sp>
+    </p:spTree>
+    <p:extLst>
+      <p:ext uri="{BB962C8B-B14F-4D97-AF65-F5344CB8AC3E}">
+        <p14:creationId xmlns:p14="http://schemas.microsoft.com/office/powerpoint/2010/main" val="4185983971"/>
+      </p:ext>
+    </p:extLst>
+  </p:cSld>
+  <p:clrMapOvr>
+    <a:masterClrMapping/>
+  </p:clrMapOvr>
+</p:sld>
+</file>
+
+<file path=ppt/slides/slide14.xml><?xml version="1.0" encoding="utf-8"?>
+<p:sld xmlns:a="http://schemas.openxmlformats.org/drawingml/2006/main" xmlns:r="http://schemas.openxmlformats.org/officeDocument/2006/relationships" xmlns:p="http://schemas.openxmlformats.org/presentationml/2006/main">
+  <p:cSld>
+    <p:spTree>
+      <p:nvGrpSpPr>
+        <p:cNvPr id="1" name=""/>
+        <p:cNvGrpSpPr/>
+        <p:nvPr/>
+      </p:nvGrpSpPr>
+      <p:grpSpPr>
+        <a:xfrm>
+          <a:off x="0" y="0"/>
+          <a:ext cx="0" cy="0"/>
+          <a:chOff x="0" y="0"/>
+          <a:chExt cx="0" cy="0"/>
+        </a:xfrm>
+      </p:grpSpPr>
+      <p:sp>
+        <p:nvSpPr>
+          <p:cNvPr id="5" name="內容版面配置區 4"/>
+          <p:cNvSpPr>
+            <a:spLocks noGrp="1"/>
+          </p:cNvSpPr>
+          <p:nvPr>
+            <p:ph idx="1"/>
+          </p:nvPr>
+        </p:nvSpPr>
+        <p:spPr>
+          <a:xfrm>
+            <a:off x="0" y="2167981"/>
+            <a:ext cx="12192000" cy="1318225"/>
+          </a:xfrm>
+        </p:spPr>
+        <p:txBody>
+          <a:bodyPr anchor="ctr">
+            <a:normAutofit/>
+          </a:bodyPr>
+          <a:lstStyle/>
+          <a:p>
+            <a:pPr algn="ctr">
+              <a:buNone/>
+            </a:pPr>
+            <a:r>
+              <a:rPr lang="zh-TW" altLang="en-US" sz="6400" b="1" dirty="0" smtClean="0">
+                <a:solidFill>
+                  <a:srgbClr val="000066"/>
+                </a:solidFill>
+                <a:latin typeface="微軟正黑體" pitchFamily="34" charset="-120"/>
+                <a:ea typeface="微軟正黑體" pitchFamily="34" charset="-120"/>
+              </a:rPr>
+              <a:t>將</a:t>
+            </a:r>
+            <a:r>
+              <a:rPr lang="zh-TW" altLang="en-US" sz="6400" b="1" dirty="0">
+                <a:solidFill>
+                  <a:srgbClr val="000066"/>
+                </a:solidFill>
+                <a:latin typeface="微軟正黑體" pitchFamily="34" charset="-120"/>
+                <a:ea typeface="微軟正黑體" pitchFamily="34" charset="-120"/>
+              </a:rPr>
+              <a:t>來在天安居萬年</a:t>
+            </a:r>
+            <a:endParaRPr lang="en-US" altLang="zh-CN" sz="6400" b="1" dirty="0">
+              <a:solidFill>
+                <a:srgbClr val="000066"/>
+              </a:solidFill>
+              <a:effectLst/>
+              <a:latin typeface="微軟正黑體" pitchFamily="34" charset="-120"/>
+              <a:ea typeface="微軟正黑體" pitchFamily="34" charset="-120"/>
+            </a:endParaRPr>
+          </a:p>
+        </p:txBody>
+      </p:sp>
+      <p:sp>
+        <p:nvSpPr>
+          <p:cNvPr id="3" name="內容版面配置區 4"/>
+          <p:cNvSpPr txBox="1">
+            <a:spLocks/>
+          </p:cNvSpPr>
+          <p:nvPr/>
+        </p:nvSpPr>
+        <p:spPr>
+          <a:xfrm>
+            <a:off x="0" y="3117530"/>
+            <a:ext cx="12192000" cy="1318225"/>
+          </a:xfrm>
+          <a:prstGeom prst="rect">
+            <a:avLst/>
+          </a:prstGeom>
+        </p:spPr>
+        <p:txBody>
+          <a:bodyPr vert="horz" lIns="91440" tIns="45720" rIns="91440" bIns="45720" rtlCol="0" anchor="ctr">
+            <a:normAutofit/>
+          </a:bodyPr>
+          <a:lstStyle>
+            <a:lvl1pPr marL="457189" indent="-457189" algn="l" defTabSz="1219170" rtl="0" eaLnBrk="1" latinLnBrk="0" hangingPunct="1">
+              <a:spcBef>
+                <a:spcPct val="20000"/>
+              </a:spcBef>
+              <a:buFont typeface="Arial" pitchFamily="34" charset="0"/>
+              <a:buChar char="•"/>
+              <a:defRPr sz="4267" kern="1200">
+                <a:solidFill>
+                  <a:schemeClr val="tx1"/>
+                </a:solidFill>
+                <a:latin typeface="+mn-lt"/>
+                <a:ea typeface="+mn-ea"/>
+                <a:cs typeface="+mn-cs"/>
+              </a:defRPr>
+            </a:lvl1pPr>
+            <a:lvl2pPr marL="990575" indent="-380990" algn="l" defTabSz="1219170" rtl="0" eaLnBrk="1" latinLnBrk="0" hangingPunct="1">
+              <a:spcBef>
+                <a:spcPct val="20000"/>
+              </a:spcBef>
+              <a:buFont typeface="Arial" pitchFamily="34" charset="0"/>
+              <a:buChar char="–"/>
+              <a:defRPr sz="3733" kern="1200">
+                <a:solidFill>
+                  <a:schemeClr val="tx1"/>
+                </a:solidFill>
+                <a:latin typeface="+mn-lt"/>
+                <a:ea typeface="+mn-ea"/>
+                <a:cs typeface="+mn-cs"/>
+              </a:defRPr>
+            </a:lvl2pPr>
+            <a:lvl3pPr marL="1523962" indent="-304792" algn="l" defTabSz="1219170" rtl="0" eaLnBrk="1" latinLnBrk="0" hangingPunct="1">
+              <a:spcBef>
+                <a:spcPct val="20000"/>
+              </a:spcBef>
+              <a:buFont typeface="Arial" pitchFamily="34" charset="0"/>
+              <a:buChar char="•"/>
+              <a:defRPr sz="3200" kern="1200">
+                <a:solidFill>
+                  <a:schemeClr val="tx1"/>
+                </a:solidFill>
+                <a:latin typeface="+mn-lt"/>
+                <a:ea typeface="+mn-ea"/>
+                <a:cs typeface="+mn-cs"/>
+              </a:defRPr>
+            </a:lvl3pPr>
+            <a:lvl4pPr marL="2133547" indent="-304792" algn="l" defTabSz="1219170" rtl="0" eaLnBrk="1" latinLnBrk="0" hangingPunct="1">
+              <a:spcBef>
+                <a:spcPct val="20000"/>
+              </a:spcBef>
+              <a:buFont typeface="Arial" pitchFamily="34" charset="0"/>
+              <a:buChar char="–"/>
+              <a:defRPr sz="2667" kern="1200">
+                <a:solidFill>
+                  <a:schemeClr val="tx1"/>
+                </a:solidFill>
+                <a:latin typeface="+mn-lt"/>
+                <a:ea typeface="+mn-ea"/>
+                <a:cs typeface="+mn-cs"/>
+              </a:defRPr>
+            </a:lvl4pPr>
+            <a:lvl5pPr marL="2743131" indent="-304792" algn="l" defTabSz="1219170" rtl="0" eaLnBrk="1" latinLnBrk="0" hangingPunct="1">
+              <a:spcBef>
+                <a:spcPct val="20000"/>
+              </a:spcBef>
+              <a:buFont typeface="Arial" pitchFamily="34" charset="0"/>
+              <a:buChar char="»"/>
+              <a:defRPr sz="2667" kern="1200">
+                <a:solidFill>
+                  <a:schemeClr val="tx1"/>
+                </a:solidFill>
+                <a:latin typeface="+mn-lt"/>
+                <a:ea typeface="+mn-ea"/>
+                <a:cs typeface="+mn-cs"/>
+              </a:defRPr>
+            </a:lvl5pPr>
+            <a:lvl6pPr marL="3352716" indent="-304792" algn="l" defTabSz="1219170" rtl="0" eaLnBrk="1" latinLnBrk="0" hangingPunct="1">
+              <a:spcBef>
+                <a:spcPct val="20000"/>
+              </a:spcBef>
+              <a:buFont typeface="Arial" pitchFamily="34" charset="0"/>
+              <a:buChar char="•"/>
+              <a:defRPr sz="2667" kern="1200">
+                <a:solidFill>
+                  <a:schemeClr val="tx1"/>
+                </a:solidFill>
+                <a:latin typeface="+mn-lt"/>
+                <a:ea typeface="+mn-ea"/>
+                <a:cs typeface="+mn-cs"/>
+              </a:defRPr>
+            </a:lvl6pPr>
+            <a:lvl7pPr marL="3962301" indent="-304792" algn="l" defTabSz="1219170" rtl="0" eaLnBrk="1" latinLnBrk="0" hangingPunct="1">
+              <a:spcBef>
+                <a:spcPct val="20000"/>
+              </a:spcBef>
+              <a:buFont typeface="Arial" pitchFamily="34" charset="0"/>
+              <a:buChar char="•"/>
+              <a:defRPr sz="2667" kern="1200">
+                <a:solidFill>
+                  <a:schemeClr val="tx1"/>
+                </a:solidFill>
+                <a:latin typeface="+mn-lt"/>
+                <a:ea typeface="+mn-ea"/>
+                <a:cs typeface="+mn-cs"/>
+              </a:defRPr>
+            </a:lvl7pPr>
+            <a:lvl8pPr marL="4571886" indent="-304792" algn="l" defTabSz="1219170" rtl="0" eaLnBrk="1" latinLnBrk="0" hangingPunct="1">
+              <a:spcBef>
+                <a:spcPct val="20000"/>
+              </a:spcBef>
+              <a:buFont typeface="Arial" pitchFamily="34" charset="0"/>
+              <a:buChar char="•"/>
+              <a:defRPr sz="2667" kern="1200">
+                <a:solidFill>
+                  <a:schemeClr val="tx1"/>
+                </a:solidFill>
+                <a:latin typeface="+mn-lt"/>
+                <a:ea typeface="+mn-ea"/>
+                <a:cs typeface="+mn-cs"/>
+              </a:defRPr>
+            </a:lvl8pPr>
+            <a:lvl9pPr marL="5181470" indent="-304792" algn="l" defTabSz="1219170" rtl="0" eaLnBrk="1" latinLnBrk="0" hangingPunct="1">
+              <a:spcBef>
+                <a:spcPct val="20000"/>
+              </a:spcBef>
+              <a:buFont typeface="Arial" pitchFamily="34" charset="0"/>
+              <a:buChar char="•"/>
+              <a:defRPr sz="2667" kern="1200">
+                <a:solidFill>
+                  <a:schemeClr val="tx1"/>
+                </a:solidFill>
+                <a:latin typeface="+mn-lt"/>
+                <a:ea typeface="+mn-ea"/>
+                <a:cs typeface="+mn-cs"/>
+              </a:defRPr>
+            </a:lvl9pPr>
+          </a:lstStyle>
+          <a:p>
+            <a:pPr marL="0" indent="0" algn="ctr">
+              <a:buNone/>
+            </a:pPr>
+            <a:r>
+              <a:rPr lang="en-US" sz="4000" b="1" dirty="0" smtClean="0">
+                <a:solidFill>
+                  <a:srgbClr val="660033"/>
+                </a:solidFill>
                 <a:effectLst/>
+                <a:latin typeface="Calibri" panose="020F0502020204030204" pitchFamily="34" charset="0"/>
+                <a:ea typeface="微軟正黑體" pitchFamily="34" charset="-120"/>
+                <a:cs typeface="Calibri" panose="020F0502020204030204" pitchFamily="34" charset="0"/>
+              </a:rPr>
+              <a:t>R</a:t>
+            </a:r>
+            <a:r>
+              <a:rPr lang="vi-VN" sz="4000" b="1" dirty="0" smtClean="0">
+                <a:solidFill>
+                  <a:srgbClr val="660033"/>
+                </a:solidFill>
+                <a:latin typeface="Calibri" panose="020F0502020204030204" pitchFamily="34" charset="0"/>
+                <a:ea typeface="微軟正黑體" pitchFamily="34" charset="-120"/>
+                <a:cs typeface="Calibri" panose="020F0502020204030204" pitchFamily="34" charset="0"/>
+              </a:rPr>
+              <a:t>ồi </a:t>
+            </a:r>
+            <a:r>
+              <a:rPr lang="vi-VN" sz="4000" b="1" dirty="0">
+                <a:solidFill>
+                  <a:srgbClr val="660033"/>
+                </a:solidFill>
+                <a:latin typeface="Calibri" panose="020F0502020204030204" pitchFamily="34" charset="0"/>
+                <a:ea typeface="微軟正黑體" pitchFamily="34" charset="-120"/>
+                <a:cs typeface="Calibri" panose="020F0502020204030204" pitchFamily="34" charset="0"/>
+              </a:rPr>
+              <a:t>đây Chúa lại đến đem tôi về </a:t>
+            </a:r>
+            <a:r>
+              <a:rPr lang="vi-VN" sz="4000" b="1" dirty="0" smtClean="0">
+                <a:solidFill>
+                  <a:srgbClr val="660033"/>
+                </a:solidFill>
+                <a:latin typeface="Calibri" panose="020F0502020204030204" pitchFamily="34" charset="0"/>
+                <a:ea typeface="微軟正黑體" pitchFamily="34" charset="-120"/>
+                <a:cs typeface="Calibri" panose="020F0502020204030204" pitchFamily="34" charset="0"/>
+              </a:rPr>
+              <a:t>trờ</a:t>
+            </a:r>
+            <a:r>
+              <a:rPr lang="en-US" sz="4000" b="1" dirty="0" err="1" smtClean="0">
+                <a:solidFill>
+                  <a:srgbClr val="660033"/>
+                </a:solidFill>
+                <a:latin typeface="Calibri" panose="020F0502020204030204" pitchFamily="34" charset="0"/>
+                <a:ea typeface="微軟正黑體" pitchFamily="34" charset="-120"/>
+                <a:cs typeface="Calibri" panose="020F0502020204030204" pitchFamily="34" charset="0"/>
+              </a:rPr>
+              <a:t>i</a:t>
+            </a:r>
+            <a:endParaRPr lang="en-US" sz="4000" b="1" dirty="0">
+              <a:solidFill>
+                <a:srgbClr val="660033"/>
+              </a:solidFill>
+              <a:effectLst/>
+              <a:latin typeface="Calibri" panose="020F0502020204030204" pitchFamily="34" charset="0"/>
+              <a:ea typeface="微軟正黑體" pitchFamily="34" charset="-120"/>
+              <a:cs typeface="Calibri" panose="020F0502020204030204" pitchFamily="34" charset="0"/>
+            </a:endParaRPr>
+          </a:p>
+        </p:txBody>
+      </p:sp>
+      <p:sp>
+        <p:nvSpPr>
+          <p:cNvPr id="4" name="TextBox 3"/>
+          <p:cNvSpPr txBox="1"/>
+          <p:nvPr/>
+        </p:nvSpPr>
+        <p:spPr>
+          <a:xfrm>
+            <a:off x="0" y="5253203"/>
+            <a:ext cx="12192000" cy="748988"/>
+          </a:xfrm>
+          <a:prstGeom prst="rect">
+            <a:avLst/>
+          </a:prstGeom>
+          <a:noFill/>
+        </p:spPr>
+        <p:txBody>
+          <a:bodyPr wrap="square" rtlCol="0">
+            <a:spAutoFit/>
+          </a:bodyPr>
+          <a:lstStyle/>
+          <a:p>
+            <a:pPr algn="ctr"/>
+            <a:r>
+              <a:rPr lang="en-US" sz="4267" b="1" dirty="0">
+                <a:solidFill>
+                  <a:srgbClr val="000066"/>
+                </a:solidFill>
+                <a:effectLst/>
               </a:rPr>
               <a:t>( </a:t>
             </a:r>
@@ -4687,7 +5006,25 @@
                 </a:solidFill>
                 <a:effectLst/>
               </a:rPr>
-              <a:t>3 / 3 </a:t>
+              <a:t>4 </a:t>
+            </a:r>
+            <a:r>
+              <a:rPr lang="en-US" sz="4267" b="1" dirty="0" smtClean="0">
+                <a:solidFill>
+                  <a:srgbClr val="000066"/>
+                </a:solidFill>
+                <a:effectLst/>
+              </a:rPr>
+              <a:t>/ </a:t>
+            </a:r>
+            <a:r>
+              <a:rPr lang="en-US" sz="4267" b="1" dirty="0" smtClean="0">
+                <a:solidFill>
+                  <a:srgbClr val="000066"/>
+                </a:solidFill>
+                <a:effectLst/>
+              </a:rPr>
+              <a:t>4 </a:t>
             </a:r>
             <a:r>
               <a:rPr lang="en-US" sz="4267" b="1" dirty="0">
@@ -4710,7 +5047,1384 @@
     </p:spTree>
     <p:extLst>
       <p:ext uri="{BB962C8B-B14F-4D97-AF65-F5344CB8AC3E}">
-        <p14:creationId xmlns:p14="http://schemas.microsoft.com/office/powerpoint/2010/main" val="4185983971"/>
+        <p14:creationId xmlns:p14="http://schemas.microsoft.com/office/powerpoint/2010/main" val="1811075541"/>
+      </p:ext>
+    </p:extLst>
+  </p:cSld>
+  <p:clrMapOvr>
+    <a:masterClrMapping/>
+  </p:clrMapOvr>
+</p:sld>
+</file>
+
+<file path=ppt/slides/slide15.xml><?xml version="1.0" encoding="utf-8"?>
+<p:sld xmlns:a="http://schemas.openxmlformats.org/drawingml/2006/main" xmlns:r="http://schemas.openxmlformats.org/officeDocument/2006/relationships" xmlns:p="http://schemas.openxmlformats.org/presentationml/2006/main">
+  <p:cSld>
+    <p:spTree>
+      <p:nvGrpSpPr>
+        <p:cNvPr id="1" name=""/>
+        <p:cNvGrpSpPr/>
+        <p:nvPr/>
+      </p:nvGrpSpPr>
+      <p:grpSpPr>
+        <a:xfrm>
+          <a:off x="0" y="0"/>
+          <a:ext cx="0" cy="0"/>
+          <a:chOff x="0" y="0"/>
+          <a:chExt cx="0" cy="0"/>
+        </a:xfrm>
+      </p:grpSpPr>
+      <p:sp>
+        <p:nvSpPr>
+          <p:cNvPr id="5" name="內容版面配置區 4"/>
+          <p:cNvSpPr>
+            <a:spLocks noGrp="1"/>
+          </p:cNvSpPr>
+          <p:nvPr>
+            <p:ph idx="1"/>
+          </p:nvPr>
+        </p:nvSpPr>
+        <p:spPr>
+          <a:xfrm>
+            <a:off x="0" y="2167981"/>
+            <a:ext cx="12192000" cy="1318225"/>
+          </a:xfrm>
+        </p:spPr>
+        <p:txBody>
+          <a:bodyPr anchor="ctr">
+            <a:normAutofit/>
+          </a:bodyPr>
+          <a:lstStyle/>
+          <a:p>
+            <a:pPr algn="ctr">
+              <a:buNone/>
+            </a:pPr>
+            <a:r>
+              <a:rPr lang="zh-TW" altLang="en-US" sz="6400" b="1" dirty="0">
+                <a:solidFill>
+                  <a:srgbClr val="000066"/>
+                </a:solidFill>
+                <a:latin typeface="微軟正黑體" pitchFamily="34" charset="-120"/>
+                <a:ea typeface="微軟正黑體" pitchFamily="34" charset="-120"/>
+              </a:rPr>
+              <a:t>恩光如日普照</a:t>
+            </a:r>
+            <a:endParaRPr lang="en-US" altLang="zh-CN" sz="6400" b="1" dirty="0">
+              <a:solidFill>
+                <a:srgbClr val="000066"/>
+              </a:solidFill>
+              <a:effectLst/>
+              <a:latin typeface="微軟正黑體" pitchFamily="34" charset="-120"/>
+              <a:ea typeface="微軟正黑體" pitchFamily="34" charset="-120"/>
+            </a:endParaRPr>
+          </a:p>
+        </p:txBody>
+      </p:sp>
+      <p:sp>
+        <p:nvSpPr>
+          <p:cNvPr id="3" name="內容版面配置區 4"/>
+          <p:cNvSpPr txBox="1">
+            <a:spLocks/>
+          </p:cNvSpPr>
+          <p:nvPr/>
+        </p:nvSpPr>
+        <p:spPr>
+          <a:xfrm>
+            <a:off x="0" y="3117530"/>
+            <a:ext cx="12192000" cy="1318225"/>
+          </a:xfrm>
+          <a:prstGeom prst="rect">
+            <a:avLst/>
+          </a:prstGeom>
+        </p:spPr>
+        <p:txBody>
+          <a:bodyPr vert="horz" lIns="91440" tIns="45720" rIns="91440" bIns="45720" rtlCol="0" anchor="ctr">
+            <a:normAutofit/>
+          </a:bodyPr>
+          <a:lstStyle>
+            <a:lvl1pPr marL="457189" indent="-457189" algn="l" defTabSz="1219170" rtl="0" eaLnBrk="1" latinLnBrk="0" hangingPunct="1">
+              <a:spcBef>
+                <a:spcPct val="20000"/>
+              </a:spcBef>
+              <a:buFont typeface="Arial" pitchFamily="34" charset="0"/>
+              <a:buChar char="•"/>
+              <a:defRPr sz="4267" kern="1200">
+                <a:solidFill>
+                  <a:schemeClr val="tx1"/>
+                </a:solidFill>
+                <a:latin typeface="+mn-lt"/>
+                <a:ea typeface="+mn-ea"/>
+                <a:cs typeface="+mn-cs"/>
+              </a:defRPr>
+            </a:lvl1pPr>
+            <a:lvl2pPr marL="990575" indent="-380990" algn="l" defTabSz="1219170" rtl="0" eaLnBrk="1" latinLnBrk="0" hangingPunct="1">
+              <a:spcBef>
+                <a:spcPct val="20000"/>
+              </a:spcBef>
+              <a:buFont typeface="Arial" pitchFamily="34" charset="0"/>
+              <a:buChar char="–"/>
+              <a:defRPr sz="3733" kern="1200">
+                <a:solidFill>
+                  <a:schemeClr val="tx1"/>
+                </a:solidFill>
+                <a:latin typeface="+mn-lt"/>
+                <a:ea typeface="+mn-ea"/>
+                <a:cs typeface="+mn-cs"/>
+              </a:defRPr>
+            </a:lvl2pPr>
+            <a:lvl3pPr marL="1523962" indent="-304792" algn="l" defTabSz="1219170" rtl="0" eaLnBrk="1" latinLnBrk="0" hangingPunct="1">
+              <a:spcBef>
+                <a:spcPct val="20000"/>
+              </a:spcBef>
+              <a:buFont typeface="Arial" pitchFamily="34" charset="0"/>
+              <a:buChar char="•"/>
+              <a:defRPr sz="3200" kern="1200">
+                <a:solidFill>
+                  <a:schemeClr val="tx1"/>
+                </a:solidFill>
+                <a:latin typeface="+mn-lt"/>
+                <a:ea typeface="+mn-ea"/>
+                <a:cs typeface="+mn-cs"/>
+              </a:defRPr>
+            </a:lvl3pPr>
+            <a:lvl4pPr marL="2133547" indent="-304792" algn="l" defTabSz="1219170" rtl="0" eaLnBrk="1" latinLnBrk="0" hangingPunct="1">
+              <a:spcBef>
+                <a:spcPct val="20000"/>
+              </a:spcBef>
+              <a:buFont typeface="Arial" pitchFamily="34" charset="0"/>
+              <a:buChar char="–"/>
+              <a:defRPr sz="2667" kern="1200">
+                <a:solidFill>
+                  <a:schemeClr val="tx1"/>
+                </a:solidFill>
+                <a:latin typeface="+mn-lt"/>
+                <a:ea typeface="+mn-ea"/>
+                <a:cs typeface="+mn-cs"/>
+              </a:defRPr>
+            </a:lvl4pPr>
+            <a:lvl5pPr marL="2743131" indent="-304792" algn="l" defTabSz="1219170" rtl="0" eaLnBrk="1" latinLnBrk="0" hangingPunct="1">
+              <a:spcBef>
+                <a:spcPct val="20000"/>
+              </a:spcBef>
+              <a:buFont typeface="Arial" pitchFamily="34" charset="0"/>
+              <a:buChar char="»"/>
+              <a:defRPr sz="2667" kern="1200">
+                <a:solidFill>
+                  <a:schemeClr val="tx1"/>
+                </a:solidFill>
+                <a:latin typeface="+mn-lt"/>
+                <a:ea typeface="+mn-ea"/>
+                <a:cs typeface="+mn-cs"/>
+              </a:defRPr>
+            </a:lvl5pPr>
+            <a:lvl6pPr marL="3352716" indent="-304792" algn="l" defTabSz="1219170" rtl="0" eaLnBrk="1" latinLnBrk="0" hangingPunct="1">
+              <a:spcBef>
+                <a:spcPct val="20000"/>
+              </a:spcBef>
+              <a:buFont typeface="Arial" pitchFamily="34" charset="0"/>
+              <a:buChar char="•"/>
+              <a:defRPr sz="2667" kern="1200">
+                <a:solidFill>
+                  <a:schemeClr val="tx1"/>
+                </a:solidFill>
+                <a:latin typeface="+mn-lt"/>
+                <a:ea typeface="+mn-ea"/>
+                <a:cs typeface="+mn-cs"/>
+              </a:defRPr>
+            </a:lvl6pPr>
+            <a:lvl7pPr marL="3962301" indent="-304792" algn="l" defTabSz="1219170" rtl="0" eaLnBrk="1" latinLnBrk="0" hangingPunct="1">
+              <a:spcBef>
+                <a:spcPct val="20000"/>
+              </a:spcBef>
+              <a:buFont typeface="Arial" pitchFamily="34" charset="0"/>
+              <a:buChar char="•"/>
+              <a:defRPr sz="2667" kern="1200">
+                <a:solidFill>
+                  <a:schemeClr val="tx1"/>
+                </a:solidFill>
+                <a:latin typeface="+mn-lt"/>
+                <a:ea typeface="+mn-ea"/>
+                <a:cs typeface="+mn-cs"/>
+              </a:defRPr>
+            </a:lvl7pPr>
+            <a:lvl8pPr marL="4571886" indent="-304792" algn="l" defTabSz="1219170" rtl="0" eaLnBrk="1" latinLnBrk="0" hangingPunct="1">
+              <a:spcBef>
+                <a:spcPct val="20000"/>
+              </a:spcBef>
+              <a:buFont typeface="Arial" pitchFamily="34" charset="0"/>
+              <a:buChar char="•"/>
+              <a:defRPr sz="2667" kern="1200">
+                <a:solidFill>
+                  <a:schemeClr val="tx1"/>
+                </a:solidFill>
+                <a:latin typeface="+mn-lt"/>
+                <a:ea typeface="+mn-ea"/>
+                <a:cs typeface="+mn-cs"/>
+              </a:defRPr>
+            </a:lvl8pPr>
+            <a:lvl9pPr marL="5181470" indent="-304792" algn="l" defTabSz="1219170" rtl="0" eaLnBrk="1" latinLnBrk="0" hangingPunct="1">
+              <a:spcBef>
+                <a:spcPct val="20000"/>
+              </a:spcBef>
+              <a:buFont typeface="Arial" pitchFamily="34" charset="0"/>
+              <a:buChar char="•"/>
+              <a:defRPr sz="2667" kern="1200">
+                <a:solidFill>
+                  <a:schemeClr val="tx1"/>
+                </a:solidFill>
+                <a:latin typeface="+mn-lt"/>
+                <a:ea typeface="+mn-ea"/>
+                <a:cs typeface="+mn-cs"/>
+              </a:defRPr>
+            </a:lvl9pPr>
+          </a:lstStyle>
+          <a:p>
+            <a:pPr marL="0" indent="0" algn="ctr">
+              <a:buNone/>
+            </a:pPr>
+            <a:r>
+              <a:rPr lang="en-US" sz="4000" b="1" dirty="0" err="1">
+                <a:solidFill>
+                  <a:srgbClr val="660033"/>
+                </a:solidFill>
+                <a:latin typeface="Calibri" panose="020F0502020204030204" pitchFamily="34" charset="0"/>
+                <a:ea typeface="微軟正黑體" pitchFamily="34" charset="-120"/>
+                <a:cs typeface="Calibri" panose="020F0502020204030204" pitchFamily="34" charset="0"/>
+              </a:rPr>
+              <a:t>Làm</a:t>
+            </a:r>
+            <a:r>
+              <a:rPr lang="en-US" sz="4000" b="1" dirty="0">
+                <a:solidFill>
+                  <a:srgbClr val="660033"/>
+                </a:solidFill>
+                <a:latin typeface="Calibri" panose="020F0502020204030204" pitchFamily="34" charset="0"/>
+                <a:ea typeface="微軟正黑體" pitchFamily="34" charset="-120"/>
+                <a:cs typeface="Calibri" panose="020F0502020204030204" pitchFamily="34" charset="0"/>
+              </a:rPr>
+              <a:t> </a:t>
+            </a:r>
+            <a:r>
+              <a:rPr lang="en-US" sz="4000" b="1" dirty="0" err="1">
+                <a:solidFill>
+                  <a:srgbClr val="660033"/>
+                </a:solidFill>
+                <a:latin typeface="Calibri" panose="020F0502020204030204" pitchFamily="34" charset="0"/>
+                <a:ea typeface="微軟正黑體" pitchFamily="34" charset="-120"/>
+                <a:cs typeface="Calibri" panose="020F0502020204030204" pitchFamily="34" charset="0"/>
+              </a:rPr>
+              <a:t>sao</a:t>
+            </a:r>
+            <a:r>
+              <a:rPr lang="en-US" sz="4000" b="1" dirty="0">
+                <a:solidFill>
+                  <a:srgbClr val="660033"/>
+                </a:solidFill>
+                <a:latin typeface="Calibri" panose="020F0502020204030204" pitchFamily="34" charset="0"/>
+                <a:ea typeface="微軟正黑體" pitchFamily="34" charset="-120"/>
+                <a:cs typeface="Calibri" panose="020F0502020204030204" pitchFamily="34" charset="0"/>
+              </a:rPr>
+              <a:t> </a:t>
+            </a:r>
+            <a:r>
+              <a:rPr lang="en-US" sz="4000" b="1" dirty="0" err="1">
+                <a:solidFill>
+                  <a:srgbClr val="660033"/>
+                </a:solidFill>
+                <a:latin typeface="Calibri" panose="020F0502020204030204" pitchFamily="34" charset="0"/>
+                <a:ea typeface="微軟正黑體" pitchFamily="34" charset="-120"/>
+                <a:cs typeface="Calibri" panose="020F0502020204030204" pitchFamily="34" charset="0"/>
+              </a:rPr>
+              <a:t>nói</a:t>
+            </a:r>
+            <a:r>
+              <a:rPr lang="en-US" sz="4000" b="1" dirty="0">
+                <a:solidFill>
+                  <a:srgbClr val="660033"/>
+                </a:solidFill>
+                <a:latin typeface="Calibri" panose="020F0502020204030204" pitchFamily="34" charset="0"/>
+                <a:ea typeface="微軟正黑體" pitchFamily="34" charset="-120"/>
+                <a:cs typeface="Calibri" panose="020F0502020204030204" pitchFamily="34" charset="0"/>
+              </a:rPr>
+              <a:t> </a:t>
+            </a:r>
+            <a:r>
+              <a:rPr lang="en-US" sz="4000" b="1" dirty="0" err="1" smtClean="0">
+                <a:solidFill>
+                  <a:srgbClr val="660033"/>
+                </a:solidFill>
+                <a:latin typeface="Calibri" panose="020F0502020204030204" pitchFamily="34" charset="0"/>
+                <a:ea typeface="微軟正黑體" pitchFamily="34" charset="-120"/>
+                <a:cs typeface="Calibri" panose="020F0502020204030204" pitchFamily="34" charset="0"/>
+              </a:rPr>
+              <a:t>được</a:t>
+            </a:r>
+            <a:r>
+              <a:rPr lang="en-US" sz="4000" b="1" dirty="0" smtClean="0">
+                <a:solidFill>
+                  <a:srgbClr val="660033"/>
+                </a:solidFill>
+                <a:latin typeface="Calibri" panose="020F0502020204030204" pitchFamily="34" charset="0"/>
+                <a:ea typeface="微軟正黑體" pitchFamily="34" charset="-120"/>
+                <a:cs typeface="Calibri" panose="020F0502020204030204" pitchFamily="34" charset="0"/>
+              </a:rPr>
+              <a:t> </a:t>
+            </a:r>
+            <a:r>
+              <a:rPr lang="en-US" sz="4000" b="1" dirty="0" err="1">
+                <a:solidFill>
+                  <a:srgbClr val="660033"/>
+                </a:solidFill>
+                <a:latin typeface="Calibri" panose="020F0502020204030204" pitchFamily="34" charset="0"/>
+                <a:ea typeface="微軟正黑體" pitchFamily="34" charset="-120"/>
+                <a:cs typeface="Calibri" panose="020F0502020204030204" pitchFamily="34" charset="0"/>
+              </a:rPr>
+              <a:t>hết</a:t>
+            </a:r>
+            <a:r>
+              <a:rPr lang="en-US" sz="4000" b="1" dirty="0">
+                <a:solidFill>
+                  <a:srgbClr val="660033"/>
+                </a:solidFill>
+                <a:latin typeface="Calibri" panose="020F0502020204030204" pitchFamily="34" charset="0"/>
+                <a:ea typeface="微軟正黑體" pitchFamily="34" charset="-120"/>
+                <a:cs typeface="Calibri" panose="020F0502020204030204" pitchFamily="34" charset="0"/>
+              </a:rPr>
+              <a:t> </a:t>
+            </a:r>
+            <a:r>
+              <a:rPr lang="en-US" sz="4000" b="1" dirty="0" err="1">
+                <a:solidFill>
+                  <a:srgbClr val="660033"/>
+                </a:solidFill>
+                <a:latin typeface="Calibri" panose="020F0502020204030204" pitchFamily="34" charset="0"/>
+                <a:ea typeface="微軟正黑體" pitchFamily="34" charset="-120"/>
+                <a:cs typeface="Calibri" panose="020F0502020204030204" pitchFamily="34" charset="0"/>
+              </a:rPr>
+              <a:t>niềm</a:t>
+            </a:r>
+            <a:r>
+              <a:rPr lang="en-US" sz="4000" b="1" dirty="0">
+                <a:solidFill>
+                  <a:srgbClr val="660033"/>
+                </a:solidFill>
+                <a:latin typeface="Calibri" panose="020F0502020204030204" pitchFamily="34" charset="0"/>
+                <a:ea typeface="微軟正黑體" pitchFamily="34" charset="-120"/>
+                <a:cs typeface="Calibri" panose="020F0502020204030204" pitchFamily="34" charset="0"/>
+              </a:rPr>
+              <a:t> </a:t>
+            </a:r>
+            <a:r>
+              <a:rPr lang="en-US" sz="4000" b="1" dirty="0" err="1">
+                <a:solidFill>
+                  <a:srgbClr val="660033"/>
+                </a:solidFill>
+                <a:latin typeface="Calibri" panose="020F0502020204030204" pitchFamily="34" charset="0"/>
+                <a:ea typeface="微軟正黑體" pitchFamily="34" charset="-120"/>
+                <a:cs typeface="Calibri" panose="020F0502020204030204" pitchFamily="34" charset="0"/>
+              </a:rPr>
+              <a:t>vui</a:t>
+            </a:r>
+            <a:endParaRPr lang="en-US" sz="4000" b="1" dirty="0">
+              <a:solidFill>
+                <a:srgbClr val="660033"/>
+              </a:solidFill>
+              <a:effectLst/>
+              <a:latin typeface="Calibri" panose="020F0502020204030204" pitchFamily="34" charset="0"/>
+              <a:ea typeface="微軟正黑體" pitchFamily="34" charset="-120"/>
+              <a:cs typeface="Calibri" panose="020F0502020204030204" pitchFamily="34" charset="0"/>
+            </a:endParaRPr>
+          </a:p>
+        </p:txBody>
+      </p:sp>
+      <p:sp>
+        <p:nvSpPr>
+          <p:cNvPr id="4" name="TextBox 3"/>
+          <p:cNvSpPr txBox="1"/>
+          <p:nvPr/>
+        </p:nvSpPr>
+        <p:spPr>
+          <a:xfrm>
+            <a:off x="0" y="5253203"/>
+            <a:ext cx="12192000" cy="748988"/>
+          </a:xfrm>
+          <a:prstGeom prst="rect">
+            <a:avLst/>
+          </a:prstGeom>
+          <a:noFill/>
+        </p:spPr>
+        <p:txBody>
+          <a:bodyPr wrap="square" rtlCol="0">
+            <a:spAutoFit/>
+          </a:bodyPr>
+          <a:lstStyle/>
+          <a:p>
+            <a:pPr algn="ctr"/>
+            <a:r>
+              <a:rPr lang="en-US" sz="4267" b="1" dirty="0">
+                <a:solidFill>
+                  <a:srgbClr val="000066"/>
+                </a:solidFill>
+                <a:effectLst/>
+              </a:rPr>
+              <a:t>( </a:t>
+            </a:r>
+            <a:r>
+              <a:rPr lang="en-US" sz="4267" b="1" dirty="0" smtClean="0">
+                <a:solidFill>
+                  <a:srgbClr val="000066"/>
+                </a:solidFill>
+                <a:effectLst/>
+              </a:rPr>
+              <a:t>4 </a:t>
+            </a:r>
+            <a:r>
+              <a:rPr lang="en-US" sz="4267" b="1" dirty="0" smtClean="0">
+                <a:solidFill>
+                  <a:srgbClr val="000066"/>
+                </a:solidFill>
+                <a:effectLst/>
+              </a:rPr>
+              <a:t>/ </a:t>
+            </a:r>
+            <a:r>
+              <a:rPr lang="en-US" sz="4267" b="1" dirty="0" smtClean="0">
+                <a:solidFill>
+                  <a:srgbClr val="000066"/>
+                </a:solidFill>
+                <a:effectLst/>
+              </a:rPr>
+              <a:t>4 </a:t>
+            </a:r>
+            <a:r>
+              <a:rPr lang="en-US" sz="4267" b="1" dirty="0">
+                <a:solidFill>
+                  <a:srgbClr val="000066"/>
+                </a:solidFill>
+                <a:effectLst/>
+              </a:rPr>
+              <a:t>)</a:t>
+            </a:r>
+            <a:endParaRPr lang="vi-VN" sz="4267" b="1" dirty="0">
+              <a:solidFill>
+                <a:srgbClr val="000066"/>
+              </a:solidFill>
+              <a:effectLst/>
+            </a:endParaRPr>
+          </a:p>
+        </p:txBody>
+      </p:sp>
+    </p:spTree>
+    <p:extLst>
+      <p:ext uri="{BB962C8B-B14F-4D97-AF65-F5344CB8AC3E}">
+        <p14:creationId xmlns:p14="http://schemas.microsoft.com/office/powerpoint/2010/main" val="3782287264"/>
+      </p:ext>
+    </p:extLst>
+  </p:cSld>
+  <p:clrMapOvr>
+    <a:masterClrMapping/>
+  </p:clrMapOvr>
+</p:sld>
+</file>
+
+<file path=ppt/slides/slide16.xml><?xml version="1.0" encoding="utf-8"?>
+<p:sld xmlns:a="http://schemas.openxmlformats.org/drawingml/2006/main" xmlns:r="http://schemas.openxmlformats.org/officeDocument/2006/relationships" xmlns:p="http://schemas.openxmlformats.org/presentationml/2006/main">
+  <p:cSld>
+    <p:spTree>
+      <p:nvGrpSpPr>
+        <p:cNvPr id="1" name=""/>
+        <p:cNvGrpSpPr/>
+        <p:nvPr/>
+      </p:nvGrpSpPr>
+      <p:grpSpPr>
+        <a:xfrm>
+          <a:off x="0" y="0"/>
+          <a:ext cx="0" cy="0"/>
+          <a:chOff x="0" y="0"/>
+          <a:chExt cx="0" cy="0"/>
+        </a:xfrm>
+      </p:grpSpPr>
+      <p:sp>
+        <p:nvSpPr>
+          <p:cNvPr id="5" name="內容版面配置區 4"/>
+          <p:cNvSpPr>
+            <a:spLocks noGrp="1"/>
+          </p:cNvSpPr>
+          <p:nvPr>
+            <p:ph idx="1"/>
+          </p:nvPr>
+        </p:nvSpPr>
+        <p:spPr>
+          <a:xfrm>
+            <a:off x="0" y="2167981"/>
+            <a:ext cx="12192000" cy="1318225"/>
+          </a:xfrm>
+        </p:spPr>
+        <p:txBody>
+          <a:bodyPr anchor="ctr">
+            <a:normAutofit/>
+          </a:bodyPr>
+          <a:lstStyle/>
+          <a:p>
+            <a:pPr algn="ctr">
+              <a:buNone/>
+            </a:pPr>
+            <a:r>
+              <a:rPr lang="zh-TW" altLang="en-US" sz="6400" b="1" dirty="0">
+                <a:solidFill>
+                  <a:srgbClr val="000066"/>
+                </a:solidFill>
+                <a:latin typeface="微軟正黑體" pitchFamily="34" charset="-120"/>
+                <a:ea typeface="微軟正黑體" pitchFamily="34" charset="-120"/>
+              </a:rPr>
+              <a:t>好像最初蒙恩景況</a:t>
+            </a:r>
+            <a:endParaRPr lang="en-US" altLang="zh-CN" sz="6400" b="1" dirty="0">
+              <a:solidFill>
+                <a:srgbClr val="000066"/>
+              </a:solidFill>
+              <a:effectLst/>
+              <a:latin typeface="微軟正黑體" pitchFamily="34" charset="-120"/>
+              <a:ea typeface="微軟正黑體" pitchFamily="34" charset="-120"/>
+            </a:endParaRPr>
+          </a:p>
+        </p:txBody>
+      </p:sp>
+      <p:sp>
+        <p:nvSpPr>
+          <p:cNvPr id="3" name="內容版面配置區 4"/>
+          <p:cNvSpPr txBox="1">
+            <a:spLocks/>
+          </p:cNvSpPr>
+          <p:nvPr/>
+        </p:nvSpPr>
+        <p:spPr>
+          <a:xfrm>
+            <a:off x="0" y="3117530"/>
+            <a:ext cx="12192000" cy="1318225"/>
+          </a:xfrm>
+          <a:prstGeom prst="rect">
+            <a:avLst/>
+          </a:prstGeom>
+        </p:spPr>
+        <p:txBody>
+          <a:bodyPr vert="horz" lIns="91440" tIns="45720" rIns="91440" bIns="45720" rtlCol="0" anchor="ctr">
+            <a:normAutofit/>
+          </a:bodyPr>
+          <a:lstStyle>
+            <a:lvl1pPr marL="457189" indent="-457189" algn="l" defTabSz="1219170" rtl="0" eaLnBrk="1" latinLnBrk="0" hangingPunct="1">
+              <a:spcBef>
+                <a:spcPct val="20000"/>
+              </a:spcBef>
+              <a:buFont typeface="Arial" pitchFamily="34" charset="0"/>
+              <a:buChar char="•"/>
+              <a:defRPr sz="4267" kern="1200">
+                <a:solidFill>
+                  <a:schemeClr val="tx1"/>
+                </a:solidFill>
+                <a:latin typeface="+mn-lt"/>
+                <a:ea typeface="+mn-ea"/>
+                <a:cs typeface="+mn-cs"/>
+              </a:defRPr>
+            </a:lvl1pPr>
+            <a:lvl2pPr marL="990575" indent="-380990" algn="l" defTabSz="1219170" rtl="0" eaLnBrk="1" latinLnBrk="0" hangingPunct="1">
+              <a:spcBef>
+                <a:spcPct val="20000"/>
+              </a:spcBef>
+              <a:buFont typeface="Arial" pitchFamily="34" charset="0"/>
+              <a:buChar char="–"/>
+              <a:defRPr sz="3733" kern="1200">
+                <a:solidFill>
+                  <a:schemeClr val="tx1"/>
+                </a:solidFill>
+                <a:latin typeface="+mn-lt"/>
+                <a:ea typeface="+mn-ea"/>
+                <a:cs typeface="+mn-cs"/>
+              </a:defRPr>
+            </a:lvl2pPr>
+            <a:lvl3pPr marL="1523962" indent="-304792" algn="l" defTabSz="1219170" rtl="0" eaLnBrk="1" latinLnBrk="0" hangingPunct="1">
+              <a:spcBef>
+                <a:spcPct val="20000"/>
+              </a:spcBef>
+              <a:buFont typeface="Arial" pitchFamily="34" charset="0"/>
+              <a:buChar char="•"/>
+              <a:defRPr sz="3200" kern="1200">
+                <a:solidFill>
+                  <a:schemeClr val="tx1"/>
+                </a:solidFill>
+                <a:latin typeface="+mn-lt"/>
+                <a:ea typeface="+mn-ea"/>
+                <a:cs typeface="+mn-cs"/>
+              </a:defRPr>
+            </a:lvl3pPr>
+            <a:lvl4pPr marL="2133547" indent="-304792" algn="l" defTabSz="1219170" rtl="0" eaLnBrk="1" latinLnBrk="0" hangingPunct="1">
+              <a:spcBef>
+                <a:spcPct val="20000"/>
+              </a:spcBef>
+              <a:buFont typeface="Arial" pitchFamily="34" charset="0"/>
+              <a:buChar char="–"/>
+              <a:defRPr sz="2667" kern="1200">
+                <a:solidFill>
+                  <a:schemeClr val="tx1"/>
+                </a:solidFill>
+                <a:latin typeface="+mn-lt"/>
+                <a:ea typeface="+mn-ea"/>
+                <a:cs typeface="+mn-cs"/>
+              </a:defRPr>
+            </a:lvl4pPr>
+            <a:lvl5pPr marL="2743131" indent="-304792" algn="l" defTabSz="1219170" rtl="0" eaLnBrk="1" latinLnBrk="0" hangingPunct="1">
+              <a:spcBef>
+                <a:spcPct val="20000"/>
+              </a:spcBef>
+              <a:buFont typeface="Arial" pitchFamily="34" charset="0"/>
+              <a:buChar char="»"/>
+              <a:defRPr sz="2667" kern="1200">
+                <a:solidFill>
+                  <a:schemeClr val="tx1"/>
+                </a:solidFill>
+                <a:latin typeface="+mn-lt"/>
+                <a:ea typeface="+mn-ea"/>
+                <a:cs typeface="+mn-cs"/>
+              </a:defRPr>
+            </a:lvl5pPr>
+            <a:lvl6pPr marL="3352716" indent="-304792" algn="l" defTabSz="1219170" rtl="0" eaLnBrk="1" latinLnBrk="0" hangingPunct="1">
+              <a:spcBef>
+                <a:spcPct val="20000"/>
+              </a:spcBef>
+              <a:buFont typeface="Arial" pitchFamily="34" charset="0"/>
+              <a:buChar char="•"/>
+              <a:defRPr sz="2667" kern="1200">
+                <a:solidFill>
+                  <a:schemeClr val="tx1"/>
+                </a:solidFill>
+                <a:latin typeface="+mn-lt"/>
+                <a:ea typeface="+mn-ea"/>
+                <a:cs typeface="+mn-cs"/>
+              </a:defRPr>
+            </a:lvl6pPr>
+            <a:lvl7pPr marL="3962301" indent="-304792" algn="l" defTabSz="1219170" rtl="0" eaLnBrk="1" latinLnBrk="0" hangingPunct="1">
+              <a:spcBef>
+                <a:spcPct val="20000"/>
+              </a:spcBef>
+              <a:buFont typeface="Arial" pitchFamily="34" charset="0"/>
+              <a:buChar char="•"/>
+              <a:defRPr sz="2667" kern="1200">
+                <a:solidFill>
+                  <a:schemeClr val="tx1"/>
+                </a:solidFill>
+                <a:latin typeface="+mn-lt"/>
+                <a:ea typeface="+mn-ea"/>
+                <a:cs typeface="+mn-cs"/>
+              </a:defRPr>
+            </a:lvl7pPr>
+            <a:lvl8pPr marL="4571886" indent="-304792" algn="l" defTabSz="1219170" rtl="0" eaLnBrk="1" latinLnBrk="0" hangingPunct="1">
+              <a:spcBef>
+                <a:spcPct val="20000"/>
+              </a:spcBef>
+              <a:buFont typeface="Arial" pitchFamily="34" charset="0"/>
+              <a:buChar char="•"/>
+              <a:defRPr sz="2667" kern="1200">
+                <a:solidFill>
+                  <a:schemeClr val="tx1"/>
+                </a:solidFill>
+                <a:latin typeface="+mn-lt"/>
+                <a:ea typeface="+mn-ea"/>
+                <a:cs typeface="+mn-cs"/>
+              </a:defRPr>
+            </a:lvl8pPr>
+            <a:lvl9pPr marL="5181470" indent="-304792" algn="l" defTabSz="1219170" rtl="0" eaLnBrk="1" latinLnBrk="0" hangingPunct="1">
+              <a:spcBef>
+                <a:spcPct val="20000"/>
+              </a:spcBef>
+              <a:buFont typeface="Arial" pitchFamily="34" charset="0"/>
+              <a:buChar char="•"/>
+              <a:defRPr sz="2667" kern="1200">
+                <a:solidFill>
+                  <a:schemeClr val="tx1"/>
+                </a:solidFill>
+                <a:latin typeface="+mn-lt"/>
+                <a:ea typeface="+mn-ea"/>
+                <a:cs typeface="+mn-cs"/>
+              </a:defRPr>
+            </a:lvl9pPr>
+          </a:lstStyle>
+          <a:p>
+            <a:pPr marL="0" indent="0" algn="ctr">
+              <a:buNone/>
+            </a:pPr>
+            <a:r>
+              <a:rPr lang="en-US" sz="4000" b="1" dirty="0" err="1">
+                <a:solidFill>
+                  <a:srgbClr val="660033"/>
+                </a:solidFill>
+                <a:latin typeface="Calibri" panose="020F0502020204030204" pitchFamily="34" charset="0"/>
+                <a:ea typeface="微軟正黑體" pitchFamily="34" charset="-120"/>
+                <a:cs typeface="Calibri" panose="020F0502020204030204" pitchFamily="34" charset="0"/>
+              </a:rPr>
+              <a:t>Khi</a:t>
+            </a:r>
+            <a:r>
+              <a:rPr lang="en-US" sz="4000" b="1" dirty="0">
+                <a:solidFill>
+                  <a:srgbClr val="660033"/>
+                </a:solidFill>
+                <a:latin typeface="Calibri" panose="020F0502020204030204" pitchFamily="34" charset="0"/>
+                <a:ea typeface="微軟正黑體" pitchFamily="34" charset="-120"/>
+                <a:cs typeface="Calibri" panose="020F0502020204030204" pitchFamily="34" charset="0"/>
+              </a:rPr>
+              <a:t> </a:t>
+            </a:r>
+            <a:r>
+              <a:rPr lang="en-US" sz="4000" b="1" dirty="0" err="1">
+                <a:solidFill>
+                  <a:srgbClr val="660033"/>
+                </a:solidFill>
+                <a:latin typeface="Calibri" panose="020F0502020204030204" pitchFamily="34" charset="0"/>
+                <a:ea typeface="微軟正黑體" pitchFamily="34" charset="-120"/>
+                <a:cs typeface="Calibri" panose="020F0502020204030204" pitchFamily="34" charset="0"/>
+              </a:rPr>
+              <a:t>đứng</a:t>
+            </a:r>
+            <a:r>
+              <a:rPr lang="en-US" sz="4000" b="1" dirty="0">
+                <a:solidFill>
+                  <a:srgbClr val="660033"/>
+                </a:solidFill>
+                <a:latin typeface="Calibri" panose="020F0502020204030204" pitchFamily="34" charset="0"/>
+                <a:ea typeface="微軟正黑體" pitchFamily="34" charset="-120"/>
+                <a:cs typeface="Calibri" panose="020F0502020204030204" pitchFamily="34" charset="0"/>
+              </a:rPr>
+              <a:t> </a:t>
+            </a:r>
+            <a:r>
+              <a:rPr lang="en-US" sz="4000" b="1" dirty="0" err="1">
+                <a:solidFill>
+                  <a:srgbClr val="660033"/>
+                </a:solidFill>
+                <a:latin typeface="Calibri" panose="020F0502020204030204" pitchFamily="34" charset="0"/>
+                <a:ea typeface="微軟正黑體" pitchFamily="34" charset="-120"/>
+                <a:cs typeface="Calibri" panose="020F0502020204030204" pitchFamily="34" charset="0"/>
+              </a:rPr>
+              <a:t>bên</a:t>
+            </a:r>
+            <a:r>
+              <a:rPr lang="en-US" sz="4000" b="1" dirty="0">
+                <a:solidFill>
+                  <a:srgbClr val="660033"/>
+                </a:solidFill>
+                <a:latin typeface="Calibri" panose="020F0502020204030204" pitchFamily="34" charset="0"/>
+                <a:ea typeface="微軟正黑體" pitchFamily="34" charset="-120"/>
+                <a:cs typeface="Calibri" panose="020F0502020204030204" pitchFamily="34" charset="0"/>
+              </a:rPr>
+              <a:t> </a:t>
+            </a:r>
+            <a:r>
+              <a:rPr lang="en-US" sz="4000" b="1" dirty="0" err="1">
+                <a:solidFill>
+                  <a:srgbClr val="660033"/>
+                </a:solidFill>
+                <a:latin typeface="Calibri" panose="020F0502020204030204" pitchFamily="34" charset="0"/>
+                <a:ea typeface="微軟正黑體" pitchFamily="34" charset="-120"/>
+                <a:cs typeface="Calibri" panose="020F0502020204030204" pitchFamily="34" charset="0"/>
+              </a:rPr>
+              <a:t>các</a:t>
+            </a:r>
+            <a:r>
+              <a:rPr lang="en-US" sz="4000" b="1" dirty="0">
+                <a:solidFill>
+                  <a:srgbClr val="660033"/>
+                </a:solidFill>
+                <a:latin typeface="Calibri" panose="020F0502020204030204" pitchFamily="34" charset="0"/>
+                <a:ea typeface="微軟正黑體" pitchFamily="34" charset="-120"/>
+                <a:cs typeface="Calibri" panose="020F0502020204030204" pitchFamily="34" charset="0"/>
+              </a:rPr>
+              <a:t> </a:t>
+            </a:r>
+            <a:r>
+              <a:rPr lang="en-US" sz="4000" b="1" dirty="0" err="1">
+                <a:solidFill>
+                  <a:srgbClr val="660033"/>
+                </a:solidFill>
+                <a:latin typeface="Calibri" panose="020F0502020204030204" pitchFamily="34" charset="0"/>
+                <a:ea typeface="微軟正黑體" pitchFamily="34" charset="-120"/>
+                <a:cs typeface="Calibri" panose="020F0502020204030204" pitchFamily="34" charset="0"/>
+              </a:rPr>
+              <a:t>thánh</a:t>
+            </a:r>
+            <a:r>
+              <a:rPr lang="en-US" sz="4000" b="1" dirty="0">
+                <a:solidFill>
+                  <a:srgbClr val="660033"/>
+                </a:solidFill>
+                <a:latin typeface="Calibri" panose="020F0502020204030204" pitchFamily="34" charset="0"/>
+                <a:ea typeface="微軟正黑體" pitchFamily="34" charset="-120"/>
+                <a:cs typeface="Calibri" panose="020F0502020204030204" pitchFamily="34" charset="0"/>
+              </a:rPr>
+              <a:t> </a:t>
+            </a:r>
+            <a:r>
+              <a:rPr lang="en-US" sz="4000" b="1" dirty="0" err="1" smtClean="0">
+                <a:solidFill>
+                  <a:srgbClr val="660033"/>
+                </a:solidFill>
+                <a:latin typeface="Calibri" panose="020F0502020204030204" pitchFamily="34" charset="0"/>
+                <a:ea typeface="微軟正黑體" pitchFamily="34" charset="-120"/>
+                <a:cs typeface="Calibri" panose="020F0502020204030204" pitchFamily="34" charset="0"/>
+              </a:rPr>
+              <a:t>đồ</a:t>
+            </a:r>
+            <a:r>
+              <a:rPr lang="en-US" sz="4000" b="1" dirty="0" smtClean="0">
+                <a:solidFill>
+                  <a:srgbClr val="660033"/>
+                </a:solidFill>
+                <a:latin typeface="Calibri" panose="020F0502020204030204" pitchFamily="34" charset="0"/>
+                <a:ea typeface="微軟正黑體" pitchFamily="34" charset="-120"/>
+                <a:cs typeface="Calibri" panose="020F0502020204030204" pitchFamily="34" charset="0"/>
+              </a:rPr>
+              <a:t>, </a:t>
+            </a:r>
+            <a:r>
+              <a:rPr lang="en-US" sz="4000" b="1" dirty="0" err="1" smtClean="0">
+                <a:solidFill>
+                  <a:srgbClr val="660033"/>
+                </a:solidFill>
+                <a:latin typeface="Calibri" panose="020F0502020204030204" pitchFamily="34" charset="0"/>
+                <a:ea typeface="微軟正黑體" pitchFamily="34" charset="-120"/>
+                <a:cs typeface="Calibri" panose="020F0502020204030204" pitchFamily="34" charset="0"/>
+              </a:rPr>
+              <a:t>ngợi</a:t>
+            </a:r>
+            <a:r>
+              <a:rPr lang="en-US" sz="4000" b="1" dirty="0" smtClean="0">
+                <a:solidFill>
+                  <a:srgbClr val="660033"/>
+                </a:solidFill>
+                <a:latin typeface="Calibri" panose="020F0502020204030204" pitchFamily="34" charset="0"/>
+                <a:ea typeface="微軟正黑體" pitchFamily="34" charset="-120"/>
+                <a:cs typeface="Calibri" panose="020F0502020204030204" pitchFamily="34" charset="0"/>
+              </a:rPr>
+              <a:t> </a:t>
+            </a:r>
+            <a:r>
+              <a:rPr lang="en-US" sz="4000" b="1" dirty="0">
+                <a:solidFill>
+                  <a:srgbClr val="660033"/>
+                </a:solidFill>
+                <a:latin typeface="Calibri" panose="020F0502020204030204" pitchFamily="34" charset="0"/>
+                <a:ea typeface="微軟正黑體" pitchFamily="34" charset="-120"/>
+                <a:cs typeface="Calibri" panose="020F0502020204030204" pitchFamily="34" charset="0"/>
+              </a:rPr>
+              <a:t>ca </a:t>
+            </a:r>
+            <a:r>
+              <a:rPr lang="en-US" sz="4000" b="1" dirty="0" err="1">
+                <a:solidFill>
+                  <a:srgbClr val="660033"/>
+                </a:solidFill>
+                <a:latin typeface="Calibri" panose="020F0502020204030204" pitchFamily="34" charset="0"/>
+                <a:ea typeface="微軟正黑體" pitchFamily="34" charset="-120"/>
+                <a:cs typeface="Calibri" panose="020F0502020204030204" pitchFamily="34" charset="0"/>
+              </a:rPr>
+              <a:t>tôn</a:t>
+            </a:r>
+            <a:r>
+              <a:rPr lang="en-US" sz="4000" b="1" dirty="0">
+                <a:solidFill>
+                  <a:srgbClr val="660033"/>
+                </a:solidFill>
+                <a:latin typeface="Calibri" panose="020F0502020204030204" pitchFamily="34" charset="0"/>
+                <a:ea typeface="微軟正黑體" pitchFamily="34" charset="-120"/>
+                <a:cs typeface="Calibri" panose="020F0502020204030204" pitchFamily="34" charset="0"/>
+              </a:rPr>
+              <a:t> </a:t>
+            </a:r>
+            <a:r>
+              <a:rPr lang="en-US" sz="4000" b="1" dirty="0" err="1">
+                <a:solidFill>
+                  <a:srgbClr val="660033"/>
+                </a:solidFill>
+                <a:latin typeface="Calibri" panose="020F0502020204030204" pitchFamily="34" charset="0"/>
+                <a:ea typeface="微軟正黑體" pitchFamily="34" charset="-120"/>
+                <a:cs typeface="Calibri" panose="020F0502020204030204" pitchFamily="34" charset="0"/>
+              </a:rPr>
+              <a:t>vinh</a:t>
+            </a:r>
+            <a:r>
+              <a:rPr lang="en-US" sz="4000" b="1" dirty="0">
+                <a:solidFill>
+                  <a:srgbClr val="660033"/>
+                </a:solidFill>
+                <a:latin typeface="Calibri" panose="020F0502020204030204" pitchFamily="34" charset="0"/>
+                <a:ea typeface="微軟正黑體" pitchFamily="34" charset="-120"/>
+                <a:cs typeface="Calibri" panose="020F0502020204030204" pitchFamily="34" charset="0"/>
+              </a:rPr>
+              <a:t> </a:t>
+            </a:r>
+            <a:r>
+              <a:rPr lang="en-US" sz="4000" b="1" dirty="0" err="1">
+                <a:solidFill>
+                  <a:srgbClr val="660033"/>
+                </a:solidFill>
+                <a:latin typeface="Calibri" panose="020F0502020204030204" pitchFamily="34" charset="0"/>
+                <a:ea typeface="微軟正黑體" pitchFamily="34" charset="-120"/>
+                <a:cs typeface="Calibri" panose="020F0502020204030204" pitchFamily="34" charset="0"/>
+              </a:rPr>
+              <a:t>danh</a:t>
+            </a:r>
+            <a:r>
+              <a:rPr lang="en-US" sz="4000" b="1" dirty="0">
+                <a:solidFill>
+                  <a:srgbClr val="660033"/>
+                </a:solidFill>
+                <a:latin typeface="Calibri" panose="020F0502020204030204" pitchFamily="34" charset="0"/>
+                <a:ea typeface="微軟正黑體" pitchFamily="34" charset="-120"/>
+                <a:cs typeface="Calibri" panose="020F0502020204030204" pitchFamily="34" charset="0"/>
+              </a:rPr>
+              <a:t> </a:t>
+            </a:r>
+            <a:r>
+              <a:rPr lang="en-US" sz="4000" b="1" dirty="0" err="1">
+                <a:solidFill>
+                  <a:srgbClr val="660033"/>
+                </a:solidFill>
+                <a:latin typeface="Calibri" panose="020F0502020204030204" pitchFamily="34" charset="0"/>
+                <a:ea typeface="微軟正黑體" pitchFamily="34" charset="-120"/>
+                <a:cs typeface="Calibri" panose="020F0502020204030204" pitchFamily="34" charset="0"/>
+              </a:rPr>
+              <a:t>Ngài</a:t>
+            </a:r>
+            <a:endParaRPr lang="en-US" sz="4000" b="1" dirty="0">
+              <a:solidFill>
+                <a:srgbClr val="660033"/>
+              </a:solidFill>
+              <a:effectLst/>
+              <a:latin typeface="Calibri" panose="020F0502020204030204" pitchFamily="34" charset="0"/>
+              <a:ea typeface="微軟正黑體" pitchFamily="34" charset="-120"/>
+              <a:cs typeface="Calibri" panose="020F0502020204030204" pitchFamily="34" charset="0"/>
+            </a:endParaRPr>
+          </a:p>
+        </p:txBody>
+      </p:sp>
+      <p:sp>
+        <p:nvSpPr>
+          <p:cNvPr id="4" name="TextBox 3"/>
+          <p:cNvSpPr txBox="1"/>
+          <p:nvPr/>
+        </p:nvSpPr>
+        <p:spPr>
+          <a:xfrm>
+            <a:off x="0" y="5253203"/>
+            <a:ext cx="12192000" cy="748988"/>
+          </a:xfrm>
+          <a:prstGeom prst="rect">
+            <a:avLst/>
+          </a:prstGeom>
+          <a:noFill/>
+        </p:spPr>
+        <p:txBody>
+          <a:bodyPr wrap="square" rtlCol="0">
+            <a:spAutoFit/>
+          </a:bodyPr>
+          <a:lstStyle/>
+          <a:p>
+            <a:pPr algn="ctr"/>
+            <a:r>
+              <a:rPr lang="en-US" sz="4267" b="1" dirty="0">
+                <a:solidFill>
+                  <a:srgbClr val="000066"/>
+                </a:solidFill>
+                <a:effectLst/>
+              </a:rPr>
+              <a:t>( </a:t>
+            </a:r>
+            <a:r>
+              <a:rPr lang="en-US" sz="4267" b="1" dirty="0" smtClean="0">
+                <a:solidFill>
+                  <a:srgbClr val="000066"/>
+                </a:solidFill>
+                <a:effectLst/>
+              </a:rPr>
+              <a:t>4 </a:t>
+            </a:r>
+            <a:r>
+              <a:rPr lang="en-US" sz="4267" b="1" dirty="0" smtClean="0">
+                <a:solidFill>
+                  <a:srgbClr val="000066"/>
+                </a:solidFill>
+                <a:effectLst/>
+              </a:rPr>
+              <a:t>/ </a:t>
+            </a:r>
+            <a:r>
+              <a:rPr lang="en-US" sz="4267" b="1" dirty="0" smtClean="0">
+                <a:solidFill>
+                  <a:srgbClr val="000066"/>
+                </a:solidFill>
+                <a:effectLst/>
+              </a:rPr>
+              <a:t>4 </a:t>
+            </a:r>
+            <a:r>
+              <a:rPr lang="en-US" sz="4267" b="1" dirty="0">
+                <a:solidFill>
+                  <a:srgbClr val="000066"/>
+                </a:solidFill>
+                <a:effectLst/>
+              </a:rPr>
+              <a:t>)</a:t>
+            </a:r>
+            <a:endParaRPr lang="vi-VN" sz="4267" b="1" dirty="0">
+              <a:solidFill>
+                <a:srgbClr val="000066"/>
+              </a:solidFill>
+              <a:effectLst/>
+            </a:endParaRPr>
+          </a:p>
+        </p:txBody>
+      </p:sp>
+    </p:spTree>
+    <p:extLst>
+      <p:ext uri="{BB962C8B-B14F-4D97-AF65-F5344CB8AC3E}">
+        <p14:creationId xmlns:p14="http://schemas.microsoft.com/office/powerpoint/2010/main" val="3262385741"/>
+      </p:ext>
+    </p:extLst>
+  </p:cSld>
+  <p:clrMapOvr>
+    <a:masterClrMapping/>
+  </p:clrMapOvr>
+</p:sld>
+</file>
+
+<file path=ppt/slides/slide17.xml><?xml version="1.0" encoding="utf-8"?>
+<p:sld xmlns:a="http://schemas.openxmlformats.org/drawingml/2006/main" xmlns:r="http://schemas.openxmlformats.org/officeDocument/2006/relationships" xmlns:p="http://schemas.openxmlformats.org/presentationml/2006/main">
+  <p:cSld>
+    <p:spTree>
+      <p:nvGrpSpPr>
+        <p:cNvPr id="1" name=""/>
+        <p:cNvGrpSpPr/>
+        <p:nvPr/>
+      </p:nvGrpSpPr>
+      <p:grpSpPr>
+        <a:xfrm>
+          <a:off x="0" y="0"/>
+          <a:ext cx="0" cy="0"/>
+          <a:chOff x="0" y="0"/>
+          <a:chExt cx="0" cy="0"/>
+        </a:xfrm>
+      </p:grpSpPr>
+      <p:sp>
+        <p:nvSpPr>
+          <p:cNvPr id="5" name="內容版面配置區 4"/>
+          <p:cNvSpPr>
+            <a:spLocks noGrp="1"/>
+          </p:cNvSpPr>
+          <p:nvPr>
+            <p:ph idx="1"/>
+          </p:nvPr>
+        </p:nvSpPr>
+        <p:spPr>
+          <a:xfrm>
+            <a:off x="0" y="2167981"/>
+            <a:ext cx="12192000" cy="1318225"/>
+          </a:xfrm>
+        </p:spPr>
+        <p:txBody>
+          <a:bodyPr anchor="ctr">
+            <a:normAutofit/>
+          </a:bodyPr>
+          <a:lstStyle/>
+          <a:p>
+            <a:pPr algn="ctr">
+              <a:buNone/>
+            </a:pPr>
+            <a:r>
+              <a:rPr lang="zh-TW" altLang="en-US" sz="6400" b="1" dirty="0">
+                <a:solidFill>
+                  <a:srgbClr val="000066"/>
+                </a:solidFill>
+                <a:latin typeface="微軟正黑體" pitchFamily="34" charset="-120"/>
+                <a:ea typeface="微軟正黑體" pitchFamily="34" charset="-120"/>
+              </a:rPr>
+              <a:t>讚美永不減少</a:t>
+            </a:r>
+            <a:endParaRPr lang="en-US" altLang="zh-CN" sz="6400" b="1" dirty="0">
+              <a:solidFill>
+                <a:srgbClr val="000066"/>
+              </a:solidFill>
+              <a:effectLst/>
+              <a:latin typeface="微軟正黑體" pitchFamily="34" charset="-120"/>
+              <a:ea typeface="微軟正黑體" pitchFamily="34" charset="-120"/>
+            </a:endParaRPr>
+          </a:p>
+        </p:txBody>
+      </p:sp>
+      <p:sp>
+        <p:nvSpPr>
+          <p:cNvPr id="3" name="內容版面配置區 4"/>
+          <p:cNvSpPr txBox="1">
+            <a:spLocks/>
+          </p:cNvSpPr>
+          <p:nvPr/>
+        </p:nvSpPr>
+        <p:spPr>
+          <a:xfrm>
+            <a:off x="0" y="3117530"/>
+            <a:ext cx="12192000" cy="1318225"/>
+          </a:xfrm>
+          <a:prstGeom prst="rect">
+            <a:avLst/>
+          </a:prstGeom>
+        </p:spPr>
+        <p:txBody>
+          <a:bodyPr vert="horz" lIns="91440" tIns="45720" rIns="91440" bIns="45720" rtlCol="0" anchor="ctr">
+            <a:normAutofit/>
+          </a:bodyPr>
+          <a:lstStyle>
+            <a:lvl1pPr marL="457189" indent="-457189" algn="l" defTabSz="1219170" rtl="0" eaLnBrk="1" latinLnBrk="0" hangingPunct="1">
+              <a:spcBef>
+                <a:spcPct val="20000"/>
+              </a:spcBef>
+              <a:buFont typeface="Arial" pitchFamily="34" charset="0"/>
+              <a:buChar char="•"/>
+              <a:defRPr sz="4267" kern="1200">
+                <a:solidFill>
+                  <a:schemeClr val="tx1"/>
+                </a:solidFill>
+                <a:latin typeface="+mn-lt"/>
+                <a:ea typeface="+mn-ea"/>
+                <a:cs typeface="+mn-cs"/>
+              </a:defRPr>
+            </a:lvl1pPr>
+            <a:lvl2pPr marL="990575" indent="-380990" algn="l" defTabSz="1219170" rtl="0" eaLnBrk="1" latinLnBrk="0" hangingPunct="1">
+              <a:spcBef>
+                <a:spcPct val="20000"/>
+              </a:spcBef>
+              <a:buFont typeface="Arial" pitchFamily="34" charset="0"/>
+              <a:buChar char="–"/>
+              <a:defRPr sz="3733" kern="1200">
+                <a:solidFill>
+                  <a:schemeClr val="tx1"/>
+                </a:solidFill>
+                <a:latin typeface="+mn-lt"/>
+                <a:ea typeface="+mn-ea"/>
+                <a:cs typeface="+mn-cs"/>
+              </a:defRPr>
+            </a:lvl2pPr>
+            <a:lvl3pPr marL="1523962" indent="-304792" algn="l" defTabSz="1219170" rtl="0" eaLnBrk="1" latinLnBrk="0" hangingPunct="1">
+              <a:spcBef>
+                <a:spcPct val="20000"/>
+              </a:spcBef>
+              <a:buFont typeface="Arial" pitchFamily="34" charset="0"/>
+              <a:buChar char="•"/>
+              <a:defRPr sz="3200" kern="1200">
+                <a:solidFill>
+                  <a:schemeClr val="tx1"/>
+                </a:solidFill>
+                <a:latin typeface="+mn-lt"/>
+                <a:ea typeface="+mn-ea"/>
+                <a:cs typeface="+mn-cs"/>
+              </a:defRPr>
+            </a:lvl3pPr>
+            <a:lvl4pPr marL="2133547" indent="-304792" algn="l" defTabSz="1219170" rtl="0" eaLnBrk="1" latinLnBrk="0" hangingPunct="1">
+              <a:spcBef>
+                <a:spcPct val="20000"/>
+              </a:spcBef>
+              <a:buFont typeface="Arial" pitchFamily="34" charset="0"/>
+              <a:buChar char="–"/>
+              <a:defRPr sz="2667" kern="1200">
+                <a:solidFill>
+                  <a:schemeClr val="tx1"/>
+                </a:solidFill>
+                <a:latin typeface="+mn-lt"/>
+                <a:ea typeface="+mn-ea"/>
+                <a:cs typeface="+mn-cs"/>
+              </a:defRPr>
+            </a:lvl4pPr>
+            <a:lvl5pPr marL="2743131" indent="-304792" algn="l" defTabSz="1219170" rtl="0" eaLnBrk="1" latinLnBrk="0" hangingPunct="1">
+              <a:spcBef>
+                <a:spcPct val="20000"/>
+              </a:spcBef>
+              <a:buFont typeface="Arial" pitchFamily="34" charset="0"/>
+              <a:buChar char="»"/>
+              <a:defRPr sz="2667" kern="1200">
+                <a:solidFill>
+                  <a:schemeClr val="tx1"/>
+                </a:solidFill>
+                <a:latin typeface="+mn-lt"/>
+                <a:ea typeface="+mn-ea"/>
+                <a:cs typeface="+mn-cs"/>
+              </a:defRPr>
+            </a:lvl5pPr>
+            <a:lvl6pPr marL="3352716" indent="-304792" algn="l" defTabSz="1219170" rtl="0" eaLnBrk="1" latinLnBrk="0" hangingPunct="1">
+              <a:spcBef>
+                <a:spcPct val="20000"/>
+              </a:spcBef>
+              <a:buFont typeface="Arial" pitchFamily="34" charset="0"/>
+              <a:buChar char="•"/>
+              <a:defRPr sz="2667" kern="1200">
+                <a:solidFill>
+                  <a:schemeClr val="tx1"/>
+                </a:solidFill>
+                <a:latin typeface="+mn-lt"/>
+                <a:ea typeface="+mn-ea"/>
+                <a:cs typeface="+mn-cs"/>
+              </a:defRPr>
+            </a:lvl6pPr>
+            <a:lvl7pPr marL="3962301" indent="-304792" algn="l" defTabSz="1219170" rtl="0" eaLnBrk="1" latinLnBrk="0" hangingPunct="1">
+              <a:spcBef>
+                <a:spcPct val="20000"/>
+              </a:spcBef>
+              <a:buFont typeface="Arial" pitchFamily="34" charset="0"/>
+              <a:buChar char="•"/>
+              <a:defRPr sz="2667" kern="1200">
+                <a:solidFill>
+                  <a:schemeClr val="tx1"/>
+                </a:solidFill>
+                <a:latin typeface="+mn-lt"/>
+                <a:ea typeface="+mn-ea"/>
+                <a:cs typeface="+mn-cs"/>
+              </a:defRPr>
+            </a:lvl7pPr>
+            <a:lvl8pPr marL="4571886" indent="-304792" algn="l" defTabSz="1219170" rtl="0" eaLnBrk="1" latinLnBrk="0" hangingPunct="1">
+              <a:spcBef>
+                <a:spcPct val="20000"/>
+              </a:spcBef>
+              <a:buFont typeface="Arial" pitchFamily="34" charset="0"/>
+              <a:buChar char="•"/>
+              <a:defRPr sz="2667" kern="1200">
+                <a:solidFill>
+                  <a:schemeClr val="tx1"/>
+                </a:solidFill>
+                <a:latin typeface="+mn-lt"/>
+                <a:ea typeface="+mn-ea"/>
+                <a:cs typeface="+mn-cs"/>
+              </a:defRPr>
+            </a:lvl8pPr>
+            <a:lvl9pPr marL="5181470" indent="-304792" algn="l" defTabSz="1219170" rtl="0" eaLnBrk="1" latinLnBrk="0" hangingPunct="1">
+              <a:spcBef>
+                <a:spcPct val="20000"/>
+              </a:spcBef>
+              <a:buFont typeface="Arial" pitchFamily="34" charset="0"/>
+              <a:buChar char="•"/>
+              <a:defRPr sz="2667" kern="1200">
+                <a:solidFill>
+                  <a:schemeClr val="tx1"/>
+                </a:solidFill>
+                <a:latin typeface="+mn-lt"/>
+                <a:ea typeface="+mn-ea"/>
+                <a:cs typeface="+mn-cs"/>
+              </a:defRPr>
+            </a:lvl9pPr>
+          </a:lstStyle>
+          <a:p>
+            <a:pPr marL="0" indent="0" algn="ctr">
+              <a:buNone/>
+            </a:pPr>
+            <a:r>
+              <a:rPr lang="vi-VN" sz="4000" b="1" dirty="0">
+                <a:solidFill>
+                  <a:srgbClr val="660033"/>
+                </a:solidFill>
+                <a:latin typeface="Calibri" panose="020F0502020204030204" pitchFamily="34" charset="0"/>
+                <a:ea typeface="微軟正黑體" pitchFamily="34" charset="-120"/>
+                <a:cs typeface="Calibri" panose="020F0502020204030204" pitchFamily="34" charset="0"/>
+              </a:rPr>
+              <a:t>Về ơn Chúa chuộc cứu chính tôi</a:t>
+            </a:r>
+            <a:endParaRPr lang="en-US" sz="4000" b="1" dirty="0">
+              <a:solidFill>
+                <a:srgbClr val="660033"/>
+              </a:solidFill>
+              <a:effectLst/>
+              <a:latin typeface="Calibri" panose="020F0502020204030204" pitchFamily="34" charset="0"/>
+              <a:ea typeface="微軟正黑體" pitchFamily="34" charset="-120"/>
+              <a:cs typeface="Calibri" panose="020F0502020204030204" pitchFamily="34" charset="0"/>
+            </a:endParaRPr>
+          </a:p>
+        </p:txBody>
+      </p:sp>
+      <p:sp>
+        <p:nvSpPr>
+          <p:cNvPr id="4" name="TextBox 3"/>
+          <p:cNvSpPr txBox="1"/>
+          <p:nvPr/>
+        </p:nvSpPr>
+        <p:spPr>
+          <a:xfrm>
+            <a:off x="0" y="5253203"/>
+            <a:ext cx="12192000" cy="748988"/>
+          </a:xfrm>
+          <a:prstGeom prst="rect">
+            <a:avLst/>
+          </a:prstGeom>
+          <a:noFill/>
+        </p:spPr>
+        <p:txBody>
+          <a:bodyPr wrap="square" rtlCol="0">
+            <a:spAutoFit/>
+          </a:bodyPr>
+          <a:lstStyle/>
+          <a:p>
+            <a:pPr algn="ctr"/>
+            <a:r>
+              <a:rPr lang="en-US" sz="4267" b="1" dirty="0">
+                <a:solidFill>
+                  <a:srgbClr val="000066"/>
+                </a:solidFill>
+                <a:effectLst/>
+              </a:rPr>
+              <a:t>( </a:t>
+            </a:r>
+            <a:r>
+              <a:rPr lang="en-US" sz="4267" b="1" dirty="0" smtClean="0">
+                <a:solidFill>
+                  <a:srgbClr val="000066"/>
+                </a:solidFill>
+                <a:effectLst/>
+              </a:rPr>
+              <a:t>4 </a:t>
+            </a:r>
+            <a:r>
+              <a:rPr lang="en-US" sz="4267" b="1" dirty="0" smtClean="0">
+                <a:solidFill>
+                  <a:srgbClr val="000066"/>
+                </a:solidFill>
+                <a:effectLst/>
+              </a:rPr>
+              <a:t>/ </a:t>
+            </a:r>
+            <a:r>
+              <a:rPr lang="en-US" sz="4267" b="1" dirty="0" smtClean="0">
+                <a:solidFill>
+                  <a:srgbClr val="000066"/>
+                </a:solidFill>
+                <a:effectLst/>
+              </a:rPr>
+              <a:t>4 </a:t>
+            </a:r>
+            <a:r>
+              <a:rPr lang="en-US" sz="4267" b="1" dirty="0">
+                <a:solidFill>
+                  <a:srgbClr val="000066"/>
+                </a:solidFill>
+                <a:effectLst/>
+              </a:rPr>
+              <a:t>)</a:t>
+            </a:r>
+            <a:endParaRPr lang="vi-VN" sz="4267" b="1" dirty="0">
+              <a:solidFill>
+                <a:srgbClr val="000066"/>
+              </a:solidFill>
+              <a:effectLst/>
+            </a:endParaRPr>
+          </a:p>
+        </p:txBody>
+      </p:sp>
+    </p:spTree>
+    <p:extLst>
+      <p:ext uri="{BB962C8B-B14F-4D97-AF65-F5344CB8AC3E}">
+        <p14:creationId xmlns:p14="http://schemas.microsoft.com/office/powerpoint/2010/main" val="1232047530"/>
       </p:ext>
     </p:extLst>
   </p:cSld>
@@ -5054,7 +6768,16 @@
                 </a:solidFill>
                 <a:effectLst/>
               </a:rPr>
-              <a:t>1 / 3 </a:t>
+              <a:t>1 / </a:t>
+            </a:r>
+            <a:r>
+              <a:rPr lang="en-US" sz="4267" b="1" dirty="0" smtClean="0">
+                <a:solidFill>
+                  <a:srgbClr val="000066"/>
+                </a:solidFill>
+                <a:effectLst/>
+              </a:rPr>
+              <a:t>4 </a:t>
             </a:r>
             <a:r>
               <a:rPr lang="en-US" sz="4267" b="1" dirty="0">
@@ -5365,33 +7088,13 @@
                 <a:solidFill>
                   <a:srgbClr val="000066"/>
                 </a:solidFill>
-                <a:effectLst/>
-              </a:rPr>
-              <a:t>( </a:t>
-            </a:r>
-            <a:r>
-              <a:rPr lang="en-US" sz="4267" b="1" dirty="0" smtClean="0">
-                <a:solidFill>
-                  <a:srgbClr val="000066"/>
-                </a:solidFill>
-                <a:effectLst/>
-              </a:rPr>
-              <a:t>1 / 3 </a:t>
-            </a:r>
-            <a:r>
-              <a:rPr lang="en-US" sz="4267" b="1" dirty="0">
-                <a:solidFill>
-                  <a:srgbClr val="000066"/>
-                </a:solidFill>
-                <a:effectLst/>
-              </a:rPr>
-              <a:t>)</a:t>
+              </a:rPr>
+              <a:t>( 1 / 4 )</a:t>
             </a:r>
             <a:endParaRPr lang="vi-VN" sz="4267" b="1" dirty="0">
               <a:solidFill>
                 <a:srgbClr val="000066"/>
               </a:solidFill>
-              <a:effectLst/>
             </a:endParaRPr>
           </a:p>
         </p:txBody>
@@ -5803,15 +7506,6 @@
               </a:rPr>
               <a:t> </a:t>
             </a:r>
-            <a:endParaRPr lang="en-US" sz="4000" b="1" dirty="0">
-              <a:solidFill>
-                <a:srgbClr val="660033"/>
-              </a:solidFill>
-              <a:effectLst/>
-              <a:latin typeface="Calibri" panose="020F0502020204030204" pitchFamily="34" charset="0"/>
-              <a:ea typeface="微軟正黑體" pitchFamily="34" charset="-120"/>
-              <a:cs typeface="Calibri" panose="020F0502020204030204" pitchFamily="34" charset="0"/>
-            </a:endParaRPr>
           </a:p>
         </p:txBody>
       </p:sp>
@@ -5843,33 +7537,13 @@
                 <a:solidFill>
                   <a:srgbClr val="000066"/>
                 </a:solidFill>
-                <a:effectLst/>
-              </a:rPr>
-              <a:t>( </a:t>
-            </a:r>
-            <a:r>
-              <a:rPr lang="en-US" sz="4267" b="1" dirty="0" smtClean="0">
-                <a:solidFill>
-                  <a:srgbClr val="000066"/>
-                </a:solidFill>
-                <a:effectLst/>
-              </a:rPr>
-              <a:t>1 / 3 </a:t>
-            </a:r>
-            <a:r>
-              <a:rPr lang="en-US" sz="4267" b="1" dirty="0">
-                <a:solidFill>
-                  <a:srgbClr val="000066"/>
-                </a:solidFill>
-                <a:effectLst/>
-              </a:rPr>
-              <a:t>)</a:t>
+              </a:rPr>
+              <a:t>( 1 / 4 )</a:t>
             </a:r>
             <a:endParaRPr lang="vi-VN" sz="4267" b="1" dirty="0">
               <a:solidFill>
                 <a:srgbClr val="000066"/>
               </a:solidFill>
-              <a:effectLst/>
             </a:endParaRPr>
           </a:p>
         </p:txBody>
@@ -6165,33 +7839,13 @@
                 <a:solidFill>
                   <a:srgbClr val="000066"/>
                 </a:solidFill>
-                <a:effectLst/>
-              </a:rPr>
-              <a:t>( </a:t>
-            </a:r>
-            <a:r>
-              <a:rPr lang="en-US" sz="4267" b="1" dirty="0" smtClean="0">
-                <a:solidFill>
-                  <a:srgbClr val="000066"/>
-                </a:solidFill>
-                <a:effectLst/>
-              </a:rPr>
-              <a:t>1 / 3 </a:t>
-            </a:r>
-            <a:r>
-              <a:rPr lang="en-US" sz="4267" b="1" dirty="0">
-                <a:solidFill>
-                  <a:srgbClr val="000066"/>
-                </a:solidFill>
-                <a:effectLst/>
-              </a:rPr>
-              <a:t>)</a:t>
+              </a:rPr>
+              <a:t>( 1 / 4 )</a:t>
             </a:r>
             <a:endParaRPr lang="vi-VN" sz="4267" b="1" dirty="0">
               <a:solidFill>
                 <a:srgbClr val="000066"/>
               </a:solidFill>
-              <a:effectLst/>
             </a:endParaRPr>
           </a:p>
         </p:txBody>
@@ -6531,7 +8185,16 @@
                 </a:solidFill>
                 <a:effectLst/>
               </a:rPr>
-              <a:t>2 / 3 </a:t>
+              <a:t>2 / </a:t>
+            </a:r>
+            <a:r>
+              <a:rPr lang="en-US" sz="4267" b="1" dirty="0" smtClean="0">
+                <a:solidFill>
+                  <a:srgbClr val="000066"/>
+                </a:solidFill>
+                <a:effectLst/>
+              </a:rPr>
+              <a:t>4 </a:t>
             </a:r>
             <a:r>
               <a:rPr lang="en-US" sz="4267" b="1" dirty="0">
@@ -6854,33 +8517,13 @@
                 <a:solidFill>
                   <a:srgbClr val="000066"/>
                 </a:solidFill>
-                <a:effectLst/>
-              </a:rPr>
-              <a:t>( </a:t>
-            </a:r>
-            <a:r>
-              <a:rPr lang="en-US" sz="4267" b="1" dirty="0" smtClean="0">
-                <a:solidFill>
-                  <a:srgbClr val="000066"/>
-                </a:solidFill>
-                <a:effectLst/>
-              </a:rPr>
-              <a:t>2 / 3 </a:t>
-            </a:r>
-            <a:r>
-              <a:rPr lang="en-US" sz="4267" b="1" dirty="0">
-                <a:solidFill>
-                  <a:srgbClr val="000066"/>
-                </a:solidFill>
-                <a:effectLst/>
-              </a:rPr>
-              <a:t>)</a:t>
+              </a:rPr>
+              <a:t>( 2 / 4 )</a:t>
             </a:r>
             <a:endParaRPr lang="vi-VN" sz="4267" b="1" dirty="0">
               <a:solidFill>
                 <a:srgbClr val="000066"/>
               </a:solidFill>
-              <a:effectLst/>
             </a:endParaRPr>
           </a:p>
         </p:txBody>
@@ -7304,15 +8947,6 @@
               </a:rPr>
               <a:t> </a:t>
             </a:r>
-            <a:endParaRPr lang="en-US" sz="3600" b="1" dirty="0">
-              <a:solidFill>
-                <a:srgbClr val="660033"/>
-              </a:solidFill>
-              <a:effectLst/>
-              <a:latin typeface="Calibri" panose="020F0502020204030204" pitchFamily="34" charset="0"/>
-              <a:ea typeface="微軟正黑體" pitchFamily="34" charset="-120"/>
-              <a:cs typeface="Calibri" panose="020F0502020204030204" pitchFamily="34" charset="0"/>
-            </a:endParaRPr>
           </a:p>
         </p:txBody>
       </p:sp>
@@ -7344,33 +8978,13 @@
                 <a:solidFill>
                   <a:srgbClr val="000066"/>
                 </a:solidFill>
-                <a:effectLst/>
-              </a:rPr>
-              <a:t>( </a:t>
-            </a:r>
-            <a:r>
-              <a:rPr lang="en-US" sz="4267" b="1" dirty="0" smtClean="0">
-                <a:solidFill>
-                  <a:srgbClr val="000066"/>
-                </a:solidFill>
-                <a:effectLst/>
-              </a:rPr>
-              <a:t>2 / 3 </a:t>
-            </a:r>
-            <a:r>
-              <a:rPr lang="en-US" sz="4267" b="1" dirty="0">
-                <a:solidFill>
-                  <a:srgbClr val="000066"/>
-                </a:solidFill>
-                <a:effectLst/>
-              </a:rPr>
-              <a:t>)</a:t>
+              </a:rPr>
+              <a:t>( 2 / 4 )</a:t>
             </a:r>
             <a:endParaRPr lang="vi-VN" sz="4267" b="1" dirty="0">
               <a:solidFill>
                 <a:srgbClr val="000066"/>
               </a:solidFill>
-              <a:effectLst/>
             </a:endParaRPr>
           </a:p>
         </p:txBody>
@@ -7666,33 +9280,13 @@
                 <a:solidFill>
                   <a:srgbClr val="000066"/>
                 </a:solidFill>
-                <a:effectLst/>
-              </a:rPr>
-              <a:t>( </a:t>
-            </a:r>
-            <a:r>
-              <a:rPr lang="en-US" sz="4267" b="1" dirty="0" smtClean="0">
-                <a:solidFill>
-                  <a:srgbClr val="000066"/>
-                </a:solidFill>
-                <a:effectLst/>
-              </a:rPr>
-              <a:t>2 / 3 </a:t>
-            </a:r>
-            <a:r>
-              <a:rPr lang="en-US" sz="4267" b="1" dirty="0">
-                <a:solidFill>
-                  <a:srgbClr val="000066"/>
-                </a:solidFill>
-                <a:effectLst/>
-              </a:rPr>
-              <a:t>)</a:t>
+              </a:rPr>
+              <a:t>( 2 / 4 )</a:t>
             </a:r>
             <a:endParaRPr lang="vi-VN" sz="4267" b="1" dirty="0">
               <a:solidFill>
                 <a:srgbClr val="000066"/>
               </a:solidFill>
-              <a:effectLst/>
             </a:endParaRPr>
           </a:p>
         </p:txBody>
